--- a/Day-0/Lesson 1_kotlin_basics.pptx
+++ b/Day-0/Lesson 1_kotlin_basics.pptx
@@ -6,7 +6,7 @@
     <p:sldMasterId id="2147483655" r:id="rId2"/>
   </p:sldMasterIdLst>
   <p:notesMasterIdLst>
-    <p:notesMasterId r:id="rId55"/>
+    <p:notesMasterId r:id="rId56"/>
   </p:notesMasterIdLst>
   <p:sldIdLst>
     <p:sldId id="256" r:id="rId3"/>
@@ -20,92 +20,93 @@
     <p:sldId id="264" r:id="rId11"/>
     <p:sldId id="265" r:id="rId12"/>
     <p:sldId id="266" r:id="rId13"/>
-    <p:sldId id="267" r:id="rId14"/>
-    <p:sldId id="268" r:id="rId15"/>
-    <p:sldId id="269" r:id="rId16"/>
-    <p:sldId id="270" r:id="rId17"/>
-    <p:sldId id="271" r:id="rId18"/>
-    <p:sldId id="272" r:id="rId19"/>
-    <p:sldId id="273" r:id="rId20"/>
-    <p:sldId id="274" r:id="rId21"/>
-    <p:sldId id="275" r:id="rId22"/>
-    <p:sldId id="276" r:id="rId23"/>
-    <p:sldId id="277" r:id="rId24"/>
-    <p:sldId id="278" r:id="rId25"/>
-    <p:sldId id="279" r:id="rId26"/>
-    <p:sldId id="280" r:id="rId27"/>
-    <p:sldId id="281" r:id="rId28"/>
-    <p:sldId id="282" r:id="rId29"/>
-    <p:sldId id="283" r:id="rId30"/>
-    <p:sldId id="284" r:id="rId31"/>
-    <p:sldId id="285" r:id="rId32"/>
-    <p:sldId id="286" r:id="rId33"/>
-    <p:sldId id="287" r:id="rId34"/>
-    <p:sldId id="288" r:id="rId35"/>
-    <p:sldId id="289" r:id="rId36"/>
-    <p:sldId id="290" r:id="rId37"/>
-    <p:sldId id="291" r:id="rId38"/>
-    <p:sldId id="292" r:id="rId39"/>
-    <p:sldId id="293" r:id="rId40"/>
-    <p:sldId id="294" r:id="rId41"/>
-    <p:sldId id="295" r:id="rId42"/>
-    <p:sldId id="296" r:id="rId43"/>
-    <p:sldId id="297" r:id="rId44"/>
-    <p:sldId id="298" r:id="rId45"/>
-    <p:sldId id="303" r:id="rId46"/>
-    <p:sldId id="304" r:id="rId47"/>
-    <p:sldId id="305" r:id="rId48"/>
-    <p:sldId id="306" r:id="rId49"/>
-    <p:sldId id="307" r:id="rId50"/>
-    <p:sldId id="308" r:id="rId51"/>
-    <p:sldId id="309" r:id="rId52"/>
-    <p:sldId id="310" r:id="rId53"/>
-    <p:sldId id="311" r:id="rId54"/>
+    <p:sldId id="312" r:id="rId14"/>
+    <p:sldId id="267" r:id="rId15"/>
+    <p:sldId id="268" r:id="rId16"/>
+    <p:sldId id="269" r:id="rId17"/>
+    <p:sldId id="270" r:id="rId18"/>
+    <p:sldId id="271" r:id="rId19"/>
+    <p:sldId id="272" r:id="rId20"/>
+    <p:sldId id="273" r:id="rId21"/>
+    <p:sldId id="274" r:id="rId22"/>
+    <p:sldId id="275" r:id="rId23"/>
+    <p:sldId id="276" r:id="rId24"/>
+    <p:sldId id="277" r:id="rId25"/>
+    <p:sldId id="278" r:id="rId26"/>
+    <p:sldId id="279" r:id="rId27"/>
+    <p:sldId id="280" r:id="rId28"/>
+    <p:sldId id="281" r:id="rId29"/>
+    <p:sldId id="282" r:id="rId30"/>
+    <p:sldId id="283" r:id="rId31"/>
+    <p:sldId id="284" r:id="rId32"/>
+    <p:sldId id="285" r:id="rId33"/>
+    <p:sldId id="286" r:id="rId34"/>
+    <p:sldId id="287" r:id="rId35"/>
+    <p:sldId id="288" r:id="rId36"/>
+    <p:sldId id="289" r:id="rId37"/>
+    <p:sldId id="290" r:id="rId38"/>
+    <p:sldId id="291" r:id="rId39"/>
+    <p:sldId id="292" r:id="rId40"/>
+    <p:sldId id="293" r:id="rId41"/>
+    <p:sldId id="294" r:id="rId42"/>
+    <p:sldId id="295" r:id="rId43"/>
+    <p:sldId id="296" r:id="rId44"/>
+    <p:sldId id="297" r:id="rId45"/>
+    <p:sldId id="298" r:id="rId46"/>
+    <p:sldId id="303" r:id="rId47"/>
+    <p:sldId id="304" r:id="rId48"/>
+    <p:sldId id="305" r:id="rId49"/>
+    <p:sldId id="306" r:id="rId50"/>
+    <p:sldId id="307" r:id="rId51"/>
+    <p:sldId id="308" r:id="rId52"/>
+    <p:sldId id="309" r:id="rId53"/>
+    <p:sldId id="310" r:id="rId54"/>
+    <p:sldId id="311" r:id="rId55"/>
   </p:sldIdLst>
   <p:sldSz cx="9144000" cy="5143500" type="screen16x9"/>
   <p:notesSz cx="6858000" cy="9144000"/>
   <p:embeddedFontLst>
     <p:embeddedFont>
       <p:font typeface="Comic Sans MS" panose="030F0702030302020204" pitchFamily="66" charset="0"/>
-      <p:regular r:id="rId56"/>
-      <p:bold r:id="rId57"/>
-      <p:italic r:id="rId58"/>
-      <p:boldItalic r:id="rId59"/>
+      <p:regular r:id="rId57"/>
+      <p:bold r:id="rId58"/>
+      <p:italic r:id="rId59"/>
+      <p:boldItalic r:id="rId60"/>
     </p:embeddedFont>
     <p:embeddedFont>
       <p:font typeface="Consolas" panose="020B0609020204030204" pitchFamily="49" charset="0"/>
-      <p:regular r:id="rId60"/>
-      <p:bold r:id="rId61"/>
-      <p:italic r:id="rId62"/>
-      <p:boldItalic r:id="rId63"/>
+      <p:regular r:id="rId61"/>
+      <p:bold r:id="rId62"/>
+      <p:italic r:id="rId63"/>
+      <p:boldItalic r:id="rId64"/>
     </p:embeddedFont>
     <p:embeddedFont>
       <p:font typeface="Google Sans" panose="020B0604020202020204" charset="0"/>
-      <p:regular r:id="rId64"/>
-      <p:bold r:id="rId65"/>
-      <p:italic r:id="rId66"/>
-      <p:boldItalic r:id="rId67"/>
+      <p:regular r:id="rId65"/>
+      <p:bold r:id="rId66"/>
+      <p:italic r:id="rId67"/>
+      <p:boldItalic r:id="rId68"/>
     </p:embeddedFont>
     <p:embeddedFont>
       <p:font typeface="Open Sans" panose="020B0606030504020204" pitchFamily="34" charset="0"/>
-      <p:regular r:id="rId68"/>
-      <p:bold r:id="rId69"/>
-      <p:italic r:id="rId70"/>
-      <p:boldItalic r:id="rId71"/>
+      <p:regular r:id="rId69"/>
+      <p:bold r:id="rId70"/>
+      <p:italic r:id="rId71"/>
+      <p:boldItalic r:id="rId72"/>
     </p:embeddedFont>
     <p:embeddedFont>
       <p:font typeface="Roboto" panose="02000000000000000000" pitchFamily="2" charset="0"/>
-      <p:regular r:id="rId72"/>
-      <p:bold r:id="rId73"/>
-      <p:italic r:id="rId74"/>
-      <p:boldItalic r:id="rId75"/>
+      <p:regular r:id="rId73"/>
+      <p:bold r:id="rId74"/>
+      <p:italic r:id="rId75"/>
+      <p:boldItalic r:id="rId76"/>
     </p:embeddedFont>
     <p:embeddedFont>
       <p:font typeface="Roboto Mono" panose="020B0604020202020204" charset="0"/>
-      <p:regular r:id="rId76"/>
-      <p:bold r:id="rId77"/>
-      <p:italic r:id="rId78"/>
-      <p:boldItalic r:id="rId79"/>
+      <p:regular r:id="rId77"/>
+      <p:bold r:id="rId78"/>
+      <p:italic r:id="rId79"/>
+      <p:boldItalic r:id="rId80"/>
     </p:embeddedFont>
   </p:embeddedFontLst>
   <p:defaultTextStyle>
@@ -1316,7 +1317,7 @@
         </p:nvSpPr>
         <p:spPr>
           <a:xfrm>
-            <a:off x="381300" y="685800"/>
+            <a:off x="381000" y="685800"/>
             <a:ext cx="6096000" cy="3429000"/>
           </a:xfrm>
           <a:custGeom>
@@ -1420,7 +1421,7 @@
         </p:nvSpPr>
         <p:spPr>
           <a:xfrm>
-            <a:off x="381300" y="685800"/>
+            <a:off x="381000" y="685800"/>
             <a:ext cx="6096000" cy="3429000"/>
           </a:xfrm>
           <a:custGeom>
@@ -1772,7 +1773,7 @@
         </p:nvSpPr>
         <p:spPr>
           <a:xfrm>
-            <a:off x="381300" y="685800"/>
+            <a:off x="381000" y="685800"/>
             <a:ext cx="6096000" cy="3429000"/>
           </a:xfrm>
           <a:custGeom>
@@ -1880,7 +1881,7 @@
         </p:nvSpPr>
         <p:spPr>
           <a:xfrm>
-            <a:off x="381300" y="685800"/>
+            <a:off x="381000" y="685800"/>
             <a:ext cx="6096000" cy="3429000"/>
           </a:xfrm>
           <a:custGeom>
@@ -2222,7 +2223,7 @@
         </p:nvSpPr>
         <p:spPr>
           <a:xfrm>
-            <a:off x="381300" y="685800"/>
+            <a:off x="381000" y="685800"/>
             <a:ext cx="6096000" cy="3429000"/>
           </a:xfrm>
           <a:custGeom>
@@ -2326,7 +2327,7 @@
         </p:nvSpPr>
         <p:spPr>
           <a:xfrm>
-            <a:off x="381300" y="685800"/>
+            <a:off x="381000" y="685800"/>
             <a:ext cx="6096000" cy="3429000"/>
           </a:xfrm>
           <a:custGeom>
@@ -2587,7 +2588,7 @@
         </p:nvSpPr>
         <p:spPr>
           <a:xfrm>
-            <a:off x="381300" y="685800"/>
+            <a:off x="381000" y="685800"/>
             <a:ext cx="6096000" cy="3429000"/>
           </a:xfrm>
           <a:custGeom>
@@ -2881,7 +2882,7 @@
         </p:nvSpPr>
         <p:spPr>
           <a:xfrm>
-            <a:off x="381300" y="685800"/>
+            <a:off x="381000" y="685800"/>
             <a:ext cx="6096000" cy="3429000"/>
           </a:xfrm>
           <a:custGeom>
@@ -3038,7 +3039,7 @@
         </p:nvSpPr>
         <p:spPr>
           <a:xfrm>
-            <a:off x="381300" y="685800"/>
+            <a:off x="381000" y="685800"/>
             <a:ext cx="6096000" cy="3429000"/>
           </a:xfrm>
           <a:custGeom>
@@ -3214,7 +3215,7 @@
         </p:nvSpPr>
         <p:spPr>
           <a:xfrm>
-            <a:off x="381300" y="685800"/>
+            <a:off x="381000" y="685800"/>
             <a:ext cx="6096000" cy="3429000"/>
           </a:xfrm>
           <a:custGeom>
@@ -3318,7 +3319,7 @@
         </p:nvSpPr>
         <p:spPr>
           <a:xfrm>
-            <a:off x="381300" y="685800"/>
+            <a:off x="381000" y="685800"/>
             <a:ext cx="6096000" cy="3429000"/>
           </a:xfrm>
           <a:custGeom>
@@ -3450,7 +3451,7 @@
         </p:nvSpPr>
         <p:spPr>
           <a:xfrm>
-            <a:off x="381300" y="685800"/>
+            <a:off x="381000" y="685800"/>
             <a:ext cx="6096000" cy="3429000"/>
           </a:xfrm>
           <a:custGeom>
@@ -3677,7 +3678,7 @@
         </p:nvSpPr>
         <p:spPr>
           <a:xfrm>
-            <a:off x="381300" y="685800"/>
+            <a:off x="381000" y="685800"/>
             <a:ext cx="6096000" cy="3429000"/>
           </a:xfrm>
           <a:custGeom>
@@ -3913,7 +3914,7 @@
         </p:nvSpPr>
         <p:spPr>
           <a:xfrm>
-            <a:off x="381300" y="685800"/>
+            <a:off x="381000" y="685800"/>
             <a:ext cx="6096000" cy="3429000"/>
           </a:xfrm>
           <a:custGeom>
@@ -4168,7 +4169,7 @@
         </p:nvSpPr>
         <p:spPr>
           <a:xfrm>
-            <a:off x="381300" y="685800"/>
+            <a:off x="381000" y="685800"/>
             <a:ext cx="6096000" cy="3429000"/>
           </a:xfrm>
           <a:custGeom>
@@ -4272,7 +4273,7 @@
         </p:nvSpPr>
         <p:spPr>
           <a:xfrm>
-            <a:off x="381300" y="685800"/>
+            <a:off x="381000" y="685800"/>
             <a:ext cx="6096000" cy="3429000"/>
           </a:xfrm>
           <a:custGeom>
@@ -4480,7 +4481,7 @@
         </p:nvSpPr>
         <p:spPr>
           <a:xfrm>
-            <a:off x="381300" y="685800"/>
+            <a:off x="381000" y="685800"/>
             <a:ext cx="6096000" cy="3429000"/>
           </a:xfrm>
           <a:custGeom>
@@ -4777,7 +4778,7 @@
         </p:nvSpPr>
         <p:spPr>
           <a:xfrm>
-            <a:off x="381300" y="685800"/>
+            <a:off x="381000" y="685800"/>
             <a:ext cx="6096000" cy="3429000"/>
           </a:xfrm>
           <a:custGeom>
@@ -5015,7 +5016,7 @@
         </p:nvSpPr>
         <p:spPr>
           <a:xfrm>
-            <a:off x="381300" y="685800"/>
+            <a:off x="381000" y="685800"/>
             <a:ext cx="6096000" cy="3429000"/>
           </a:xfrm>
           <a:custGeom>
@@ -5297,7 +5298,7 @@
         </p:nvSpPr>
         <p:spPr>
           <a:xfrm>
-            <a:off x="381300" y="685800"/>
+            <a:off x="381000" y="685800"/>
             <a:ext cx="6096000" cy="3429000"/>
           </a:xfrm>
           <a:custGeom>
@@ -5759,7 +5760,7 @@
         </p:nvSpPr>
         <p:spPr>
           <a:xfrm>
-            <a:off x="381300" y="685800"/>
+            <a:off x="381000" y="685800"/>
             <a:ext cx="6096000" cy="3429000"/>
           </a:xfrm>
           <a:custGeom>
@@ -5995,7 +5996,7 @@
         </p:nvSpPr>
         <p:spPr>
           <a:xfrm>
-            <a:off x="381300" y="685800"/>
+            <a:off x="381000" y="685800"/>
             <a:ext cx="6096000" cy="3429000"/>
           </a:xfrm>
           <a:custGeom>
@@ -6213,7 +6214,7 @@
         </p:nvSpPr>
         <p:spPr>
           <a:xfrm>
-            <a:off x="381300" y="685800"/>
+            <a:off x="381000" y="685800"/>
             <a:ext cx="6096000" cy="3429000"/>
           </a:xfrm>
           <a:custGeom>
@@ -6321,7 +6322,7 @@
         </p:nvSpPr>
         <p:spPr>
           <a:xfrm>
-            <a:off x="381300" y="685800"/>
+            <a:off x="381000" y="685800"/>
             <a:ext cx="6096000" cy="3429000"/>
           </a:xfrm>
           <a:custGeom>
@@ -6442,7 +6443,7 @@
         </p:nvSpPr>
         <p:spPr>
           <a:xfrm>
-            <a:off x="381300" y="685800"/>
+            <a:off x="381000" y="685800"/>
             <a:ext cx="6096000" cy="3429000"/>
           </a:xfrm>
           <a:custGeom>
@@ -6698,7 +6699,7 @@
         </p:nvSpPr>
         <p:spPr>
           <a:xfrm>
-            <a:off x="381300" y="685800"/>
+            <a:off x="381000" y="685800"/>
             <a:ext cx="6096000" cy="3429000"/>
           </a:xfrm>
           <a:custGeom>
@@ -7001,7 +7002,7 @@
         </p:nvSpPr>
         <p:spPr>
           <a:xfrm>
-            <a:off x="381300" y="685800"/>
+            <a:off x="381000" y="685800"/>
             <a:ext cx="6096000" cy="3429000"/>
           </a:xfrm>
           <a:custGeom>
@@ -7105,7 +7106,7 @@
         </p:nvSpPr>
         <p:spPr>
           <a:xfrm>
-            <a:off x="381300" y="685800"/>
+            <a:off x="381000" y="685800"/>
             <a:ext cx="6096000" cy="3429000"/>
           </a:xfrm>
           <a:custGeom>
@@ -7213,7 +7214,7 @@
         </p:nvSpPr>
         <p:spPr>
           <a:xfrm>
-            <a:off x="381300" y="685800"/>
+            <a:off x="381000" y="685800"/>
             <a:ext cx="6096000" cy="3429000"/>
           </a:xfrm>
           <a:custGeom>
@@ -7368,7 +7369,7 @@
         </p:nvSpPr>
         <p:spPr>
           <a:xfrm>
-            <a:off x="381300" y="685800"/>
+            <a:off x="381000" y="685800"/>
             <a:ext cx="6096000" cy="3429000"/>
           </a:xfrm>
           <a:custGeom>
@@ -17700,6 +17701,184 @@
   <p:cSld>
     <p:spTree>
       <p:nvGrpSpPr>
+        <p:cNvPr id="1" name=""/>
+        <p:cNvGrpSpPr/>
+        <p:nvPr/>
+      </p:nvGrpSpPr>
+      <p:grpSpPr>
+        <a:xfrm>
+          <a:off x="0" y="0"/>
+          <a:ext cx="0" cy="0"/>
+          <a:chOff x="0" y="0"/>
+          <a:chExt cx="0" cy="0"/>
+        </a:xfrm>
+      </p:grpSpPr>
+      <p:sp>
+        <p:nvSpPr>
+          <p:cNvPr id="2" name="Title 1">
+            <a:extLst>
+              <a:ext uri="{FF2B5EF4-FFF2-40B4-BE49-F238E27FC236}">
+                <a16:creationId xmlns:a16="http://schemas.microsoft.com/office/drawing/2014/main" id="{446C84FD-759B-4E7B-8892-336C29D84CBC}"/>
+              </a:ext>
+            </a:extLst>
+          </p:cNvPr>
+          <p:cNvSpPr>
+            <a:spLocks noGrp="1"/>
+          </p:cNvSpPr>
+          <p:nvPr>
+            <p:ph type="title"/>
+          </p:nvPr>
+        </p:nvSpPr>
+        <p:spPr/>
+        <p:txBody>
+          <a:bodyPr/>
+          <a:lstStyle/>
+          <a:p>
+            <a:r>
+              <a:rPr lang="en-IN" dirty="0"/>
+              <a:t>Primitive data types:</a:t>
+            </a:r>
+          </a:p>
+        </p:txBody>
+      </p:sp>
+      <p:sp>
+        <p:nvSpPr>
+          <p:cNvPr id="3" name="Text Placeholder 2">
+            <a:extLst>
+              <a:ext uri="{FF2B5EF4-FFF2-40B4-BE49-F238E27FC236}">
+                <a16:creationId xmlns:a16="http://schemas.microsoft.com/office/drawing/2014/main" id="{A76BDE71-3DF4-43F8-8075-44C1E17AF82C}"/>
+              </a:ext>
+            </a:extLst>
+          </p:cNvPr>
+          <p:cNvSpPr>
+            <a:spLocks noGrp="1"/>
+          </p:cNvSpPr>
+          <p:nvPr>
+            <p:ph type="body" idx="1"/>
+          </p:nvPr>
+        </p:nvSpPr>
+        <p:spPr/>
+        <p:txBody>
+          <a:bodyPr/>
+          <a:lstStyle/>
+          <a:p>
+            <a:pPr marL="76200" indent="0">
+              <a:buNone/>
+            </a:pPr>
+            <a:r>
+              <a:rPr lang="en-US" b="0" i="0" dirty="0">
+                <a:solidFill>
+                  <a:schemeClr val="tx1"/>
+                </a:solidFill>
+                <a:effectLst/>
+                <a:latin typeface="arial" panose="020B0604020202020204" pitchFamily="34" charset="0"/>
+              </a:rPr>
+              <a:t>In Java, the primitive data types are </a:t>
+            </a:r>
+            <a:r>
+              <a:rPr lang="en-US" b="1" i="0" dirty="0">
+                <a:solidFill>
+                  <a:schemeClr val="tx1"/>
+                </a:solidFill>
+                <a:effectLst/>
+                <a:latin typeface="arial" panose="020B0604020202020204" pitchFamily="34" charset="0"/>
+              </a:rPr>
+              <a:t>the predefined data types of Java</a:t>
+            </a:r>
+            <a:r>
+              <a:rPr lang="en-US" b="0" i="0" dirty="0">
+                <a:solidFill>
+                  <a:schemeClr val="tx1"/>
+                </a:solidFill>
+                <a:effectLst/>
+                <a:latin typeface="arial" panose="020B0604020202020204" pitchFamily="34" charset="0"/>
+              </a:rPr>
+              <a:t>. They specify the size and type of any standard values. Java has 8 primitive data types namely byte, short, int, long, float, double, char and </a:t>
+            </a:r>
+            <a:r>
+              <a:rPr lang="en-US" b="0" i="0" dirty="0" err="1">
+                <a:solidFill>
+                  <a:schemeClr val="tx1"/>
+                </a:solidFill>
+                <a:effectLst/>
+                <a:latin typeface="arial" panose="020B0604020202020204" pitchFamily="34" charset="0"/>
+              </a:rPr>
+              <a:t>boolean</a:t>
+            </a:r>
+            <a:r>
+              <a:rPr lang="en-US" b="0" i="0" dirty="0">
+                <a:solidFill>
+                  <a:schemeClr val="tx1"/>
+                </a:solidFill>
+                <a:effectLst/>
+                <a:latin typeface="arial" panose="020B0604020202020204" pitchFamily="34" charset="0"/>
+              </a:rPr>
+              <a:t>.</a:t>
+            </a:r>
+            <a:endParaRPr lang="en-IN" dirty="0">
+              <a:solidFill>
+                <a:schemeClr val="tx1"/>
+              </a:solidFill>
+            </a:endParaRPr>
+          </a:p>
+        </p:txBody>
+      </p:sp>
+      <p:sp>
+        <p:nvSpPr>
+          <p:cNvPr id="4" name="Slide Number Placeholder 3">
+            <a:extLst>
+              <a:ext uri="{FF2B5EF4-FFF2-40B4-BE49-F238E27FC236}">
+                <a16:creationId xmlns:a16="http://schemas.microsoft.com/office/drawing/2014/main" id="{01AA103B-EFBE-4CD4-A079-7405A15AD39D}"/>
+              </a:ext>
+            </a:extLst>
+          </p:cNvPr>
+          <p:cNvSpPr>
+            <a:spLocks noGrp="1"/>
+          </p:cNvSpPr>
+          <p:nvPr>
+            <p:ph type="sldNum" idx="12"/>
+          </p:nvPr>
+        </p:nvSpPr>
+        <p:spPr/>
+        <p:txBody>
+          <a:bodyPr/>
+          <a:lstStyle/>
+          <a:p>
+            <a:pPr marL="0" lvl="0" indent="0" algn="r" rtl="0">
+              <a:spcBef>
+                <a:spcPts val="0"/>
+              </a:spcBef>
+              <a:spcAft>
+                <a:spcPts val="0"/>
+              </a:spcAft>
+              <a:buNone/>
+            </a:pPr>
+            <a:fld id="{00000000-1234-1234-1234-123412341234}" type="slidenum">
+              <a:rPr lang="en" smtClean="0"/>
+              <a:t>12</a:t>
+            </a:fld>
+            <a:endParaRPr lang="en"/>
+          </a:p>
+        </p:txBody>
+      </p:sp>
+    </p:spTree>
+    <p:extLst>
+      <p:ext uri="{BB962C8B-B14F-4D97-AF65-F5344CB8AC3E}">
+        <p14:creationId xmlns:p14="http://schemas.microsoft.com/office/powerpoint/2010/main" val="2249121275"/>
+      </p:ext>
+    </p:extLst>
+  </p:cSld>
+  <p:clrMapOvr>
+    <a:masterClrMapping/>
+  </p:clrMapOvr>
+</p:sld>
+</file>
+
+<file path=ppt/slides/slide13.xml><?xml version="1.0" encoding="utf-8"?>
+<p:sld xmlns:a="http://schemas.openxmlformats.org/drawingml/2006/main" xmlns:r="http://schemas.openxmlformats.org/officeDocument/2006/relationships" xmlns:p="http://schemas.openxmlformats.org/presentationml/2006/main">
+  <p:cSld>
+    <p:spTree>
+      <p:nvGrpSpPr>
         <p:cNvPr id="1" name="Shape 161"/>
         <p:cNvGrpSpPr/>
         <p:nvPr/>
@@ -17892,7 +18071,7 @@
             </a:pPr>
             <a:fld id="{00000000-1234-1234-1234-123412341234}" type="slidenum">
               <a:rPr lang="en"/>
-              <a:t>12</a:t>
+              <a:t>13</a:t>
             </a:fld>
             <a:endParaRPr/>
           </a:p>
@@ -18297,7 +18476,7 @@
 </p:sld>
 </file>
 
-<file path=ppt/slides/slide13.xml><?xml version="1.0" encoding="utf-8"?>
+<file path=ppt/slides/slide14.xml><?xml version="1.0" encoding="utf-8"?>
 <p:sld xmlns:a="http://schemas.openxmlformats.org/drawingml/2006/main" xmlns:r="http://schemas.openxmlformats.org/officeDocument/2006/relationships" xmlns:p="http://schemas.openxmlformats.org/presentationml/2006/main">
   <p:cSld>
     <p:spTree>
@@ -18392,7 +18571,7 @@
             </a:pPr>
             <a:fld id="{00000000-1234-1234-1234-123412341234}" type="slidenum">
               <a:rPr lang="en"/>
-              <a:t>13</a:t>
+              <a:t>14</a:t>
             </a:fld>
             <a:endParaRPr/>
           </a:p>
@@ -18406,7 +18585,7 @@
 </p:sld>
 </file>
 
-<file path=ppt/slides/slide14.xml><?xml version="1.0" encoding="utf-8"?>
+<file path=ppt/slides/slide15.xml><?xml version="1.0" encoding="utf-8"?>
 <p:sld xmlns:a="http://schemas.openxmlformats.org/drawingml/2006/main" xmlns:r="http://schemas.openxmlformats.org/officeDocument/2006/relationships" xmlns:p="http://schemas.openxmlformats.org/presentationml/2006/main">
   <p:cSld>
     <p:spTree>
@@ -18501,7 +18680,7 @@
             </a:pPr>
             <a:fld id="{00000000-1234-1234-1234-123412341234}" type="slidenum">
               <a:rPr lang="en"/>
-              <a:t>14</a:t>
+              <a:t>15</a:t>
             </a:fld>
             <a:endParaRPr/>
           </a:p>
@@ -19791,7 +19970,7 @@
 </p:sld>
 </file>
 
-<file path=ppt/slides/slide15.xml><?xml version="1.0" encoding="utf-8"?>
+<file path=ppt/slides/slide16.xml><?xml version="1.0" encoding="utf-8"?>
 <p:sld xmlns:a="http://schemas.openxmlformats.org/drawingml/2006/main" xmlns:r="http://schemas.openxmlformats.org/officeDocument/2006/relationships" xmlns:p="http://schemas.openxmlformats.org/presentationml/2006/main">
   <p:cSld>
     <p:spTree>
@@ -19886,7 +20065,7 @@
             </a:pPr>
             <a:fld id="{00000000-1234-1234-1234-123412341234}" type="slidenum">
               <a:rPr lang="en"/>
-              <a:t>15</a:t>
+              <a:t>16</a:t>
             </a:fld>
             <a:endParaRPr/>
           </a:p>
@@ -21129,7 +21308,7 @@
 </p:sld>
 </file>
 
-<file path=ppt/slides/slide16.xml><?xml version="1.0" encoding="utf-8"?>
+<file path=ppt/slides/slide17.xml><?xml version="1.0" encoding="utf-8"?>
 <p:sld xmlns:a="http://schemas.openxmlformats.org/drawingml/2006/main" xmlns:r="http://schemas.openxmlformats.org/officeDocument/2006/relationships" xmlns:p="http://schemas.openxmlformats.org/presentationml/2006/main">
   <p:cSld>
     <p:spTree>
@@ -21239,7 +21418,7 @@
             </a:pPr>
             <a:fld id="{00000000-1234-1234-1234-123412341234}" type="slidenum">
               <a:rPr lang="en"/>
-              <a:t>16</a:t>
+              <a:t>17</a:t>
             </a:fld>
             <a:endParaRPr/>
           </a:p>
@@ -21890,7 +22069,7 @@
 </p:sld>
 </file>
 
-<file path=ppt/slides/slide17.xml><?xml version="1.0" encoding="utf-8"?>
+<file path=ppt/slides/slide18.xml><?xml version="1.0" encoding="utf-8"?>
 <p:sld xmlns:a="http://schemas.openxmlformats.org/drawingml/2006/main" xmlns:r="http://schemas.openxmlformats.org/officeDocument/2006/relationships" xmlns:p="http://schemas.openxmlformats.org/presentationml/2006/main">
   <p:cSld>
     <p:spTree>
@@ -22057,7 +22236,7 @@
             </a:pPr>
             <a:fld id="{00000000-1234-1234-1234-123412341234}" type="slidenum">
               <a:rPr lang="en"/>
-              <a:t>17</a:t>
+              <a:t>18</a:t>
             </a:fld>
             <a:endParaRPr/>
           </a:p>
@@ -22106,7 +22285,7 @@
               <a:buNone/>
             </a:pPr>
             <a:r>
-              <a:rPr lang="en" sz="1800">
+              <a:rPr lang="en" sz="1800" dirty="0">
                 <a:solidFill>
                   <a:srgbClr val="3F51B5"/>
                 </a:solidFill>
@@ -22118,7 +22297,7 @@
               <a:t>val</a:t>
             </a:r>
             <a:r>
-              <a:rPr lang="en" sz="1800">
+              <a:rPr lang="en" sz="1800" dirty="0">
                 <a:solidFill>
                   <a:schemeClr val="dk1"/>
                 </a:solidFill>
@@ -22130,7 +22309,7 @@
               <a:t> i: Int = </a:t>
             </a:r>
             <a:r>
-              <a:rPr lang="en" sz="1800">
+              <a:rPr lang="en" sz="1800" dirty="0">
                 <a:solidFill>
                   <a:srgbClr val="C53929"/>
                 </a:solidFill>
@@ -22139,9 +22318,9 @@
                 <a:cs typeface="Consolas"/>
                 <a:sym typeface="Consolas"/>
               </a:rPr>
-              <a:t>6</a:t>
-            </a:r>
-            <a:endParaRPr sz="1800">
+              <a:t>81</a:t>
+            </a:r>
+            <a:endParaRPr sz="1800" dirty="0">
               <a:solidFill>
                 <a:srgbClr val="C53929"/>
               </a:solidFill>
@@ -22161,7 +22340,7 @@
               </a:spcAft>
               <a:buNone/>
             </a:pPr>
-            <a:endParaRPr sz="1800">
+            <a:endParaRPr sz="1800" dirty="0">
               <a:latin typeface="Consolas"/>
               <a:ea typeface="Consolas"/>
               <a:cs typeface="Consolas"/>
@@ -22213,7 +22392,7 @@
               <a:buNone/>
             </a:pPr>
             <a:r>
-              <a:rPr lang="en" sz="1800">
+              <a:rPr lang="en" sz="1800" dirty="0">
                 <a:solidFill>
                   <a:schemeClr val="dk1"/>
                 </a:solidFill>
@@ -22222,9 +22401,9 @@
                 <a:cs typeface="Consolas"/>
                 <a:sym typeface="Consolas"/>
               </a:rPr>
-              <a:t>println(i.toByte())</a:t>
-            </a:r>
-            <a:endParaRPr sz="1800">
+              <a:t>println(i.toChar())</a:t>
+            </a:r>
+            <a:endParaRPr sz="1800" dirty="0">
               <a:solidFill>
                 <a:schemeClr val="dk1"/>
               </a:solidFill>
@@ -22244,7 +22423,7 @@
               </a:spcAft>
               <a:buNone/>
             </a:pPr>
-            <a:endParaRPr>
+            <a:endParaRPr dirty="0">
               <a:latin typeface="Roboto"/>
               <a:ea typeface="Roboto"/>
               <a:cs typeface="Roboto"/>
@@ -22296,7 +22475,7 @@
               <a:buNone/>
             </a:pPr>
             <a:r>
-              <a:rPr lang="en" sz="1800">
+              <a:rPr lang="en" sz="1800" dirty="0">
                 <a:solidFill>
                   <a:srgbClr val="1155CC"/>
                 </a:solidFill>
@@ -22305,9 +22484,9 @@
                 <a:cs typeface="Consolas"/>
                 <a:sym typeface="Consolas"/>
               </a:rPr>
-              <a:t>⇒ 6</a:t>
-            </a:r>
-            <a:endParaRPr sz="1800">
+              <a:t>⇒ Q</a:t>
+            </a:r>
+            <a:endParaRPr sz="1800" dirty="0">
               <a:latin typeface="Consolas"/>
               <a:ea typeface="Consolas"/>
               <a:cs typeface="Consolas"/>
@@ -22359,7 +22538,7 @@
               <a:buNone/>
             </a:pPr>
             <a:r>
-              <a:rPr lang="en" sz="1800">
+              <a:rPr lang="en" sz="1800" dirty="0">
                 <a:solidFill>
                   <a:srgbClr val="3F51B5"/>
                 </a:solidFill>
@@ -22371,7 +22550,7 @@
               <a:t>val</a:t>
             </a:r>
             <a:r>
-              <a:rPr lang="en" sz="1800">
+              <a:rPr lang="en" sz="1800" dirty="0">
                 <a:solidFill>
                   <a:schemeClr val="dk1"/>
                 </a:solidFill>
@@ -22383,7 +22562,7 @@
               <a:t> i: Int = </a:t>
             </a:r>
             <a:r>
-              <a:rPr lang="en" sz="1800">
+              <a:rPr lang="en" sz="1800" dirty="0">
                 <a:solidFill>
                   <a:srgbClr val="C53929"/>
                 </a:solidFill>
@@ -22392,9 +22571,9 @@
                 <a:cs typeface="Consolas"/>
                 <a:sym typeface="Consolas"/>
               </a:rPr>
-              <a:t>6</a:t>
-            </a:r>
-            <a:endParaRPr sz="1800">
+              <a:t>81</a:t>
+            </a:r>
+            <a:endParaRPr sz="1800" dirty="0">
               <a:solidFill>
                 <a:srgbClr val="C53929"/>
               </a:solidFill>
@@ -22414,7 +22593,7 @@
               </a:spcAft>
               <a:buNone/>
             </a:pPr>
-            <a:endParaRPr sz="1800">
+            <a:endParaRPr sz="1800" dirty="0">
               <a:latin typeface="Consolas"/>
               <a:ea typeface="Consolas"/>
               <a:cs typeface="Consolas"/>
@@ -22466,7 +22645,7 @@
               <a:buNone/>
             </a:pPr>
             <a:r>
-              <a:rPr lang="en" sz="1800">
+              <a:rPr lang="en" sz="1800" dirty="0">
                 <a:solidFill>
                   <a:srgbClr val="3F51B5"/>
                 </a:solidFill>
@@ -22478,7 +22657,7 @@
               <a:t>val</a:t>
             </a:r>
             <a:r>
-              <a:rPr lang="en" sz="1800">
+              <a:rPr lang="en" sz="1800" dirty="0">
                 <a:solidFill>
                   <a:schemeClr val="dk1"/>
                 </a:solidFill>
@@ -22487,9 +22666,9 @@
                 <a:cs typeface="Consolas"/>
                 <a:sym typeface="Consolas"/>
               </a:rPr>
-              <a:t> b: Byte = i</a:t>
-            </a:r>
-            <a:endParaRPr sz="1800">
+              <a:t> b: Char = i</a:t>
+            </a:r>
+            <a:endParaRPr sz="1800" dirty="0">
               <a:latin typeface="Consolas"/>
               <a:ea typeface="Consolas"/>
               <a:cs typeface="Consolas"/>
@@ -22599,11 +22778,11 @@
               <a:buNone/>
             </a:pPr>
             <a:r>
-              <a:rPr lang="en" sz="1800"/>
+              <a:rPr lang="en" sz="1800" dirty="0"/>
               <a:t>Convert </a:t>
             </a:r>
             <a:r>
-              <a:rPr lang="en" sz="1800">
+              <a:rPr lang="en" sz="1800" dirty="0">
                 <a:latin typeface="Courier New"/>
                 <a:ea typeface="Courier New"/>
                 <a:cs typeface="Courier New"/>
@@ -22612,23 +22791,22 @@
               <a:t>Int</a:t>
             </a:r>
             <a:r>
-              <a:rPr lang="en" sz="1800"/>
+              <a:rPr lang="en" sz="1800" dirty="0"/>
               <a:t> to </a:t>
             </a:r>
             <a:r>
-              <a:rPr lang="en" sz="1800">
+              <a:rPr lang="en" sz="1800" dirty="0">
                 <a:latin typeface="Courier New"/>
-                <a:ea typeface="Courier New"/>
                 <a:cs typeface="Courier New"/>
                 <a:sym typeface="Courier New"/>
               </a:rPr>
-              <a:t>Byte</a:t>
-            </a:r>
-            <a:r>
-              <a:rPr lang="en" sz="1800"/>
+              <a:t>Char</a:t>
+            </a:r>
+            <a:r>
+              <a:rPr lang="en" sz="1800" dirty="0"/>
               <a:t> with casting</a:t>
             </a:r>
-            <a:endParaRPr sz="1800"/>
+            <a:endParaRPr sz="1800" dirty="0"/>
           </a:p>
         </p:txBody>
       </p:sp>
@@ -22880,7 +23058,7 @@
 </p:sld>
 </file>
 
-<file path=ppt/slides/slide18.xml><?xml version="1.0" encoding="utf-8"?>
+<file path=ppt/slides/slide19.xml><?xml version="1.0" encoding="utf-8"?>
 <p:sld xmlns:a="http://schemas.openxmlformats.org/drawingml/2006/main" xmlns:r="http://schemas.openxmlformats.org/officeDocument/2006/relationships" xmlns:p="http://schemas.openxmlformats.org/presentationml/2006/main">
   <p:cSld>
     <p:spTree>
@@ -23220,527 +23398,6 @@
       <p:sp>
         <p:nvSpPr>
           <p:cNvPr id="221" name="Google Shape;221;p26"/>
-          <p:cNvSpPr txBox="1">
-            <a:spLocks noGrp="1"/>
-          </p:cNvSpPr>
-          <p:nvPr>
-            <p:ph type="sldNum" idx="12"/>
-          </p:nvPr>
-        </p:nvSpPr>
-        <p:spPr>
-          <a:xfrm>
-            <a:off x="8548658" y="4739417"/>
-            <a:ext cx="548700" cy="393600"/>
-          </a:xfrm>
-          <a:prstGeom prst="rect">
-            <a:avLst/>
-          </a:prstGeom>
-        </p:spPr>
-        <p:txBody>
-          <a:bodyPr spcFirstLastPara="1" wrap="square" lIns="91425" tIns="91425" rIns="91425" bIns="91425" anchor="ctr" anchorCtr="0">
-            <a:noAutofit/>
-          </a:bodyPr>
-          <a:lstStyle/>
-          <a:p>
-            <a:pPr marL="0" lvl="0" indent="0" algn="r" rtl="0">
-              <a:spcBef>
-                <a:spcPts val="0"/>
-              </a:spcBef>
-              <a:spcAft>
-                <a:spcPts val="0"/>
-              </a:spcAft>
-              <a:buNone/>
-            </a:pPr>
-            <a:fld id="{00000000-1234-1234-1234-123412341234}" type="slidenum">
-              <a:rPr lang="en"/>
-              <a:t>18</a:t>
-            </a:fld>
-            <a:endParaRPr/>
-          </a:p>
-        </p:txBody>
-      </p:sp>
-    </p:spTree>
-  </p:cSld>
-  <p:clrMapOvr>
-    <a:masterClrMapping/>
-  </p:clrMapOvr>
-</p:sld>
-</file>
-
-<file path=ppt/slides/slide19.xml><?xml version="1.0" encoding="utf-8"?>
-<p:sld xmlns:a="http://schemas.openxmlformats.org/drawingml/2006/main" xmlns:r="http://schemas.openxmlformats.org/officeDocument/2006/relationships" xmlns:p="http://schemas.openxmlformats.org/presentationml/2006/main">
-  <p:cSld>
-    <p:spTree>
-      <p:nvGrpSpPr>
-        <p:cNvPr id="1" name="Shape 225"/>
-        <p:cNvGrpSpPr/>
-        <p:nvPr/>
-      </p:nvGrpSpPr>
-      <p:grpSpPr>
-        <a:xfrm>
-          <a:off x="0" y="0"/>
-          <a:ext cx="0" cy="0"/>
-          <a:chOff x="0" y="0"/>
-          <a:chExt cx="0" cy="0"/>
-        </a:xfrm>
-      </p:grpSpPr>
-      <p:sp>
-        <p:nvSpPr>
-          <p:cNvPr id="226" name="Google Shape;226;p27"/>
-          <p:cNvSpPr txBox="1">
-            <a:spLocks noGrp="1"/>
-          </p:cNvSpPr>
-          <p:nvPr>
-            <p:ph type="title"/>
-          </p:nvPr>
-        </p:nvSpPr>
-        <p:spPr>
-          <a:xfrm>
-            <a:off x="311700" y="170820"/>
-            <a:ext cx="8520600" cy="572700"/>
-          </a:xfrm>
-          <a:prstGeom prst="rect">
-            <a:avLst/>
-          </a:prstGeom>
-        </p:spPr>
-        <p:txBody>
-          <a:bodyPr spcFirstLastPara="1" wrap="square" lIns="91425" tIns="91425" rIns="91425" bIns="91425" anchor="t" anchorCtr="0">
-            <a:noAutofit/>
-          </a:bodyPr>
-          <a:lstStyle/>
-          <a:p>
-            <a:pPr marL="0" lvl="0" indent="0" algn="l" rtl="0">
-              <a:spcBef>
-                <a:spcPts val="0"/>
-              </a:spcBef>
-              <a:spcAft>
-                <a:spcPts val="0"/>
-              </a:spcAft>
-              <a:buNone/>
-            </a:pPr>
-            <a:r>
-              <a:rPr lang="en"/>
-              <a:t>Strings</a:t>
-            </a:r>
-            <a:endParaRPr/>
-          </a:p>
-        </p:txBody>
-      </p:sp>
-      <p:sp>
-        <p:nvSpPr>
-          <p:cNvPr id="227" name="Google Shape;227;p27"/>
-          <p:cNvSpPr txBox="1">
-            <a:spLocks noGrp="1"/>
-          </p:cNvSpPr>
-          <p:nvPr>
-            <p:ph type="body" idx="1"/>
-          </p:nvPr>
-        </p:nvSpPr>
-        <p:spPr>
-          <a:xfrm>
-            <a:off x="311700" y="1353200"/>
-            <a:ext cx="8569200" cy="3155400"/>
-          </a:xfrm>
-          <a:prstGeom prst="rect">
-            <a:avLst/>
-          </a:prstGeom>
-        </p:spPr>
-        <p:txBody>
-          <a:bodyPr spcFirstLastPara="1" wrap="square" lIns="91425" tIns="91425" rIns="91425" bIns="91425" anchor="t" anchorCtr="0">
-            <a:noAutofit/>
-          </a:bodyPr>
-          <a:lstStyle/>
-          <a:p>
-            <a:pPr marL="0" lvl="0" indent="0" algn="l" rtl="0">
-              <a:spcBef>
-                <a:spcPts val="0"/>
-              </a:spcBef>
-              <a:spcAft>
-                <a:spcPts val="0"/>
-              </a:spcAft>
-              <a:buNone/>
-            </a:pPr>
-            <a:r>
-              <a:rPr lang="en" sz="1800"/>
-              <a:t>Strings are any sequence of characters enclosed by double quotes.</a:t>
-            </a:r>
-            <a:endParaRPr sz="1800"/>
-          </a:p>
-          <a:p>
-            <a:pPr marL="0" lvl="0" indent="0" algn="l" rtl="0">
-              <a:spcBef>
-                <a:spcPts val="0"/>
-              </a:spcBef>
-              <a:spcAft>
-                <a:spcPts val="0"/>
-              </a:spcAft>
-              <a:buNone/>
-            </a:pPr>
-            <a:r>
-              <a:rPr lang="en" sz="1800">
-                <a:solidFill>
-                  <a:schemeClr val="dk1"/>
-                </a:solidFill>
-                <a:latin typeface="Consolas"/>
-                <a:ea typeface="Consolas"/>
-                <a:cs typeface="Consolas"/>
-                <a:sym typeface="Consolas"/>
-              </a:rPr>
-              <a:t>  </a:t>
-            </a:r>
-            <a:r>
-              <a:rPr lang="en" sz="1800">
-                <a:solidFill>
-                  <a:srgbClr val="3F51B5"/>
-                </a:solidFill>
-                <a:latin typeface="Consolas"/>
-                <a:ea typeface="Consolas"/>
-                <a:cs typeface="Consolas"/>
-                <a:sym typeface="Consolas"/>
-              </a:rPr>
-              <a:t>val</a:t>
-            </a:r>
-            <a:r>
-              <a:rPr lang="en" sz="1800">
-                <a:solidFill>
-                  <a:schemeClr val="dk1"/>
-                </a:solidFill>
-                <a:latin typeface="Consolas"/>
-                <a:ea typeface="Consolas"/>
-                <a:cs typeface="Consolas"/>
-                <a:sym typeface="Consolas"/>
-              </a:rPr>
-              <a:t> s1 = </a:t>
-            </a:r>
-            <a:r>
-              <a:rPr lang="en" sz="1800">
-                <a:solidFill>
-                  <a:srgbClr val="388E3C"/>
-                </a:solidFill>
-                <a:latin typeface="Consolas"/>
-                <a:ea typeface="Consolas"/>
-                <a:cs typeface="Consolas"/>
-                <a:sym typeface="Consolas"/>
-              </a:rPr>
-              <a:t>"Hello world!"</a:t>
-            </a:r>
-            <a:endParaRPr sz="1800">
-              <a:solidFill>
-                <a:srgbClr val="388E3C"/>
-              </a:solidFill>
-              <a:latin typeface="Consolas"/>
-              <a:ea typeface="Consolas"/>
-              <a:cs typeface="Consolas"/>
-              <a:sym typeface="Consolas"/>
-            </a:endParaRPr>
-          </a:p>
-          <a:p>
-            <a:pPr marL="0" lvl="0" indent="0" algn="l" rtl="0">
-              <a:spcBef>
-                <a:spcPts val="1600"/>
-              </a:spcBef>
-              <a:spcAft>
-                <a:spcPts val="0"/>
-              </a:spcAft>
-              <a:buClr>
-                <a:schemeClr val="dk1"/>
-              </a:buClr>
-              <a:buSzPts val="1100"/>
-              <a:buFont typeface="Arial"/>
-              <a:buNone/>
-            </a:pPr>
-            <a:r>
-              <a:rPr lang="en" sz="1800">
-                <a:solidFill>
-                  <a:schemeClr val="dk1"/>
-                </a:solidFill>
-              </a:rPr>
-              <a:t>String literals can contain escape characters</a:t>
-            </a:r>
-            <a:endParaRPr sz="1800">
-              <a:solidFill>
-                <a:schemeClr val="dk1"/>
-              </a:solidFill>
-            </a:endParaRPr>
-          </a:p>
-          <a:p>
-            <a:pPr marL="0" lvl="0" indent="0" algn="l" rtl="0">
-              <a:spcBef>
-                <a:spcPts val="0"/>
-              </a:spcBef>
-              <a:spcAft>
-                <a:spcPts val="0"/>
-              </a:spcAft>
-              <a:buNone/>
-            </a:pPr>
-            <a:r>
-              <a:rPr lang="en" sz="1800">
-                <a:latin typeface="Consolas"/>
-                <a:ea typeface="Consolas"/>
-                <a:cs typeface="Consolas"/>
-                <a:sym typeface="Consolas"/>
-              </a:rPr>
-              <a:t>  </a:t>
-            </a:r>
-            <a:r>
-              <a:rPr lang="en" sz="1800">
-                <a:solidFill>
-                  <a:srgbClr val="3F51B5"/>
-                </a:solidFill>
-                <a:latin typeface="Consolas"/>
-                <a:ea typeface="Consolas"/>
-                <a:cs typeface="Consolas"/>
-                <a:sym typeface="Consolas"/>
-              </a:rPr>
-              <a:t>val</a:t>
-            </a:r>
-            <a:r>
-              <a:rPr lang="en" sz="1800">
-                <a:latin typeface="Consolas"/>
-                <a:ea typeface="Consolas"/>
-                <a:cs typeface="Consolas"/>
-                <a:sym typeface="Consolas"/>
-              </a:rPr>
-              <a:t> s2 = </a:t>
-            </a:r>
-            <a:r>
-              <a:rPr lang="en" sz="1800">
-                <a:solidFill>
-                  <a:srgbClr val="388E3C"/>
-                </a:solidFill>
-                <a:latin typeface="Consolas"/>
-                <a:ea typeface="Consolas"/>
-                <a:cs typeface="Consolas"/>
-                <a:sym typeface="Consolas"/>
-              </a:rPr>
-              <a:t>"Hello world!\n"</a:t>
-            </a:r>
-            <a:endParaRPr sz="1800">
-              <a:solidFill>
-                <a:srgbClr val="388E3C"/>
-              </a:solidFill>
-              <a:latin typeface="Consolas"/>
-              <a:ea typeface="Consolas"/>
-              <a:cs typeface="Consolas"/>
-              <a:sym typeface="Consolas"/>
-            </a:endParaRPr>
-          </a:p>
-          <a:p>
-            <a:pPr marL="0" lvl="0" indent="0" algn="l" rtl="0">
-              <a:spcBef>
-                <a:spcPts val="1600"/>
-              </a:spcBef>
-              <a:spcAft>
-                <a:spcPts val="0"/>
-              </a:spcAft>
-              <a:buNone/>
-            </a:pPr>
-            <a:r>
-              <a:rPr lang="en" sz="1800"/>
-              <a:t>Or any arbitrary text delimited by a triple quote (</a:t>
-            </a:r>
-            <a:r>
-              <a:rPr lang="en" sz="1800">
-                <a:latin typeface="Courier New"/>
-                <a:ea typeface="Courier New"/>
-                <a:cs typeface="Courier New"/>
-                <a:sym typeface="Courier New"/>
-              </a:rPr>
-              <a:t>"""</a:t>
-            </a:r>
-            <a:r>
-              <a:rPr lang="en" sz="1800"/>
-              <a:t>)</a:t>
-            </a:r>
-            <a:endParaRPr sz="1800"/>
-          </a:p>
-          <a:p>
-            <a:pPr marL="0" lvl="0" indent="0" algn="l" rtl="0">
-              <a:spcBef>
-                <a:spcPts val="0"/>
-              </a:spcBef>
-              <a:spcAft>
-                <a:spcPts val="0"/>
-              </a:spcAft>
-              <a:buNone/>
-            </a:pPr>
-            <a:r>
-              <a:rPr lang="en" sz="1800">
-                <a:latin typeface="Consolas"/>
-                <a:ea typeface="Consolas"/>
-                <a:cs typeface="Consolas"/>
-                <a:sym typeface="Consolas"/>
-              </a:rPr>
-              <a:t>  </a:t>
-            </a:r>
-            <a:r>
-              <a:rPr lang="en" sz="1800">
-                <a:solidFill>
-                  <a:srgbClr val="3F51B5"/>
-                </a:solidFill>
-                <a:latin typeface="Consolas"/>
-                <a:ea typeface="Consolas"/>
-                <a:cs typeface="Consolas"/>
-                <a:sym typeface="Consolas"/>
-              </a:rPr>
-              <a:t>val</a:t>
-            </a:r>
-            <a:r>
-              <a:rPr lang="en" sz="1800">
-                <a:latin typeface="Consolas"/>
-                <a:ea typeface="Consolas"/>
-                <a:cs typeface="Consolas"/>
-                <a:sym typeface="Consolas"/>
-              </a:rPr>
-              <a:t> text = </a:t>
-            </a:r>
-            <a:r>
-              <a:rPr lang="en" sz="1800">
-                <a:solidFill>
-                  <a:srgbClr val="388E3C"/>
-                </a:solidFill>
-                <a:latin typeface="Consolas"/>
-                <a:ea typeface="Consolas"/>
-                <a:cs typeface="Consolas"/>
-                <a:sym typeface="Consolas"/>
-              </a:rPr>
-              <a:t>"""</a:t>
-            </a:r>
-            <a:endParaRPr sz="1800">
-              <a:solidFill>
-                <a:srgbClr val="388E3C"/>
-              </a:solidFill>
-              <a:latin typeface="Consolas"/>
-              <a:ea typeface="Consolas"/>
-              <a:cs typeface="Consolas"/>
-              <a:sym typeface="Consolas"/>
-            </a:endParaRPr>
-          </a:p>
-          <a:p>
-            <a:pPr marL="0" lvl="0" indent="457200" algn="l" rtl="0">
-              <a:spcBef>
-                <a:spcPts val="0"/>
-              </a:spcBef>
-              <a:spcAft>
-                <a:spcPts val="0"/>
-              </a:spcAft>
-              <a:buNone/>
-            </a:pPr>
-            <a:r>
-              <a:rPr lang="en" sz="1800">
-                <a:solidFill>
-                  <a:srgbClr val="388E3C"/>
-                </a:solidFill>
-                <a:latin typeface="Consolas"/>
-                <a:ea typeface="Consolas"/>
-                <a:cs typeface="Consolas"/>
-                <a:sym typeface="Consolas"/>
-              </a:rPr>
-              <a:t>  var bikes = 50 </a:t>
-            </a:r>
-            <a:endParaRPr sz="1800">
-              <a:solidFill>
-                <a:srgbClr val="388E3C"/>
-              </a:solidFill>
-              <a:latin typeface="Consolas"/>
-              <a:ea typeface="Consolas"/>
-              <a:cs typeface="Consolas"/>
-              <a:sym typeface="Consolas"/>
-            </a:endParaRPr>
-          </a:p>
-          <a:p>
-            <a:pPr marL="0" lvl="0" indent="0" algn="l" rtl="0">
-              <a:spcBef>
-                <a:spcPts val="0"/>
-              </a:spcBef>
-              <a:spcAft>
-                <a:spcPts val="0"/>
-              </a:spcAft>
-              <a:buClr>
-                <a:schemeClr val="dk1"/>
-              </a:buClr>
-              <a:buSzPts val="1100"/>
-              <a:buFont typeface="Arial"/>
-              <a:buNone/>
-            </a:pPr>
-            <a:r>
-              <a:rPr lang="en" sz="1800">
-                <a:solidFill>
-                  <a:srgbClr val="388E3C"/>
-                </a:solidFill>
-                <a:latin typeface="Consolas"/>
-                <a:ea typeface="Consolas"/>
-                <a:cs typeface="Consolas"/>
-                <a:sym typeface="Consolas"/>
-              </a:rPr>
-              <a:t>  """</a:t>
-            </a:r>
-            <a:endParaRPr sz="1350">
-              <a:solidFill>
-                <a:srgbClr val="388E3C"/>
-              </a:solidFill>
-              <a:latin typeface="Arial"/>
-              <a:ea typeface="Arial"/>
-              <a:cs typeface="Arial"/>
-              <a:sym typeface="Arial"/>
-            </a:endParaRPr>
-          </a:p>
-          <a:p>
-            <a:pPr marL="0" lvl="0" indent="0" algn="l" rtl="0">
-              <a:spcBef>
-                <a:spcPts val="0"/>
-              </a:spcBef>
-              <a:spcAft>
-                <a:spcPts val="0"/>
-              </a:spcAft>
-              <a:buClr>
-                <a:schemeClr val="dk1"/>
-              </a:buClr>
-              <a:buSzPts val="1100"/>
-              <a:buFont typeface="Arial"/>
-              <a:buNone/>
-            </a:pPr>
-            <a:endParaRPr sz="1800">
-              <a:latin typeface="Consolas"/>
-              <a:ea typeface="Consolas"/>
-              <a:cs typeface="Consolas"/>
-              <a:sym typeface="Consolas"/>
-            </a:endParaRPr>
-          </a:p>
-          <a:p>
-            <a:pPr marL="0" lvl="0" indent="0" algn="l" rtl="0">
-              <a:spcBef>
-                <a:spcPts val="1000"/>
-              </a:spcBef>
-              <a:spcAft>
-                <a:spcPts val="0"/>
-              </a:spcAft>
-              <a:buNone/>
-            </a:pPr>
-            <a:endParaRPr sz="1800"/>
-          </a:p>
-          <a:p>
-            <a:pPr marL="0" lvl="0" indent="0" algn="l" rtl="0">
-              <a:spcBef>
-                <a:spcPts val="1000"/>
-              </a:spcBef>
-              <a:spcAft>
-                <a:spcPts val="0"/>
-              </a:spcAft>
-              <a:buNone/>
-            </a:pPr>
-            <a:endParaRPr sz="1800">
-              <a:latin typeface="Consolas"/>
-              <a:ea typeface="Consolas"/>
-              <a:cs typeface="Consolas"/>
-              <a:sym typeface="Consolas"/>
-            </a:endParaRPr>
-          </a:p>
-        </p:txBody>
-      </p:sp>
-      <p:sp>
-        <p:nvSpPr>
-          <p:cNvPr id="228" name="Google Shape;228;p27"/>
           <p:cNvSpPr txBox="1">
             <a:spLocks noGrp="1"/>
           </p:cNvSpPr>
@@ -24120,6 +23777,527 @@
   <p:cSld>
     <p:spTree>
       <p:nvGrpSpPr>
+        <p:cNvPr id="1" name="Shape 225"/>
+        <p:cNvGrpSpPr/>
+        <p:nvPr/>
+      </p:nvGrpSpPr>
+      <p:grpSpPr>
+        <a:xfrm>
+          <a:off x="0" y="0"/>
+          <a:ext cx="0" cy="0"/>
+          <a:chOff x="0" y="0"/>
+          <a:chExt cx="0" cy="0"/>
+        </a:xfrm>
+      </p:grpSpPr>
+      <p:sp>
+        <p:nvSpPr>
+          <p:cNvPr id="226" name="Google Shape;226;p27"/>
+          <p:cNvSpPr txBox="1">
+            <a:spLocks noGrp="1"/>
+          </p:cNvSpPr>
+          <p:nvPr>
+            <p:ph type="title"/>
+          </p:nvPr>
+        </p:nvSpPr>
+        <p:spPr>
+          <a:xfrm>
+            <a:off x="311700" y="170820"/>
+            <a:ext cx="8520600" cy="572700"/>
+          </a:xfrm>
+          <a:prstGeom prst="rect">
+            <a:avLst/>
+          </a:prstGeom>
+        </p:spPr>
+        <p:txBody>
+          <a:bodyPr spcFirstLastPara="1" wrap="square" lIns="91425" tIns="91425" rIns="91425" bIns="91425" anchor="t" anchorCtr="0">
+            <a:noAutofit/>
+          </a:bodyPr>
+          <a:lstStyle/>
+          <a:p>
+            <a:pPr marL="0" lvl="0" indent="0" algn="l" rtl="0">
+              <a:spcBef>
+                <a:spcPts val="0"/>
+              </a:spcBef>
+              <a:spcAft>
+                <a:spcPts val="0"/>
+              </a:spcAft>
+              <a:buNone/>
+            </a:pPr>
+            <a:r>
+              <a:rPr lang="en"/>
+              <a:t>Strings</a:t>
+            </a:r>
+            <a:endParaRPr/>
+          </a:p>
+        </p:txBody>
+      </p:sp>
+      <p:sp>
+        <p:nvSpPr>
+          <p:cNvPr id="227" name="Google Shape;227;p27"/>
+          <p:cNvSpPr txBox="1">
+            <a:spLocks noGrp="1"/>
+          </p:cNvSpPr>
+          <p:nvPr>
+            <p:ph type="body" idx="1"/>
+          </p:nvPr>
+        </p:nvSpPr>
+        <p:spPr>
+          <a:xfrm>
+            <a:off x="311700" y="1353200"/>
+            <a:ext cx="8569200" cy="3155400"/>
+          </a:xfrm>
+          <a:prstGeom prst="rect">
+            <a:avLst/>
+          </a:prstGeom>
+        </p:spPr>
+        <p:txBody>
+          <a:bodyPr spcFirstLastPara="1" wrap="square" lIns="91425" tIns="91425" rIns="91425" bIns="91425" anchor="t" anchorCtr="0">
+            <a:noAutofit/>
+          </a:bodyPr>
+          <a:lstStyle/>
+          <a:p>
+            <a:pPr marL="0" lvl="0" indent="0" algn="l" rtl="0">
+              <a:spcBef>
+                <a:spcPts val="0"/>
+              </a:spcBef>
+              <a:spcAft>
+                <a:spcPts val="0"/>
+              </a:spcAft>
+              <a:buNone/>
+            </a:pPr>
+            <a:r>
+              <a:rPr lang="en" sz="1800"/>
+              <a:t>Strings are any sequence of characters enclosed by double quotes.</a:t>
+            </a:r>
+            <a:endParaRPr sz="1800"/>
+          </a:p>
+          <a:p>
+            <a:pPr marL="0" lvl="0" indent="0" algn="l" rtl="0">
+              <a:spcBef>
+                <a:spcPts val="0"/>
+              </a:spcBef>
+              <a:spcAft>
+                <a:spcPts val="0"/>
+              </a:spcAft>
+              <a:buNone/>
+            </a:pPr>
+            <a:r>
+              <a:rPr lang="en" sz="1800">
+                <a:solidFill>
+                  <a:schemeClr val="dk1"/>
+                </a:solidFill>
+                <a:latin typeface="Consolas"/>
+                <a:ea typeface="Consolas"/>
+                <a:cs typeface="Consolas"/>
+                <a:sym typeface="Consolas"/>
+              </a:rPr>
+              <a:t>  </a:t>
+            </a:r>
+            <a:r>
+              <a:rPr lang="en" sz="1800">
+                <a:solidFill>
+                  <a:srgbClr val="3F51B5"/>
+                </a:solidFill>
+                <a:latin typeface="Consolas"/>
+                <a:ea typeface="Consolas"/>
+                <a:cs typeface="Consolas"/>
+                <a:sym typeface="Consolas"/>
+              </a:rPr>
+              <a:t>val</a:t>
+            </a:r>
+            <a:r>
+              <a:rPr lang="en" sz="1800">
+                <a:solidFill>
+                  <a:schemeClr val="dk1"/>
+                </a:solidFill>
+                <a:latin typeface="Consolas"/>
+                <a:ea typeface="Consolas"/>
+                <a:cs typeface="Consolas"/>
+                <a:sym typeface="Consolas"/>
+              </a:rPr>
+              <a:t> s1 = </a:t>
+            </a:r>
+            <a:r>
+              <a:rPr lang="en" sz="1800">
+                <a:solidFill>
+                  <a:srgbClr val="388E3C"/>
+                </a:solidFill>
+                <a:latin typeface="Consolas"/>
+                <a:ea typeface="Consolas"/>
+                <a:cs typeface="Consolas"/>
+                <a:sym typeface="Consolas"/>
+              </a:rPr>
+              <a:t>"Hello world!"</a:t>
+            </a:r>
+            <a:endParaRPr sz="1800">
+              <a:solidFill>
+                <a:srgbClr val="388E3C"/>
+              </a:solidFill>
+              <a:latin typeface="Consolas"/>
+              <a:ea typeface="Consolas"/>
+              <a:cs typeface="Consolas"/>
+              <a:sym typeface="Consolas"/>
+            </a:endParaRPr>
+          </a:p>
+          <a:p>
+            <a:pPr marL="0" lvl="0" indent="0" algn="l" rtl="0">
+              <a:spcBef>
+                <a:spcPts val="1600"/>
+              </a:spcBef>
+              <a:spcAft>
+                <a:spcPts val="0"/>
+              </a:spcAft>
+              <a:buClr>
+                <a:schemeClr val="dk1"/>
+              </a:buClr>
+              <a:buSzPts val="1100"/>
+              <a:buFont typeface="Arial"/>
+              <a:buNone/>
+            </a:pPr>
+            <a:r>
+              <a:rPr lang="en" sz="1800">
+                <a:solidFill>
+                  <a:schemeClr val="dk1"/>
+                </a:solidFill>
+              </a:rPr>
+              <a:t>String literals can contain escape characters</a:t>
+            </a:r>
+            <a:endParaRPr sz="1800">
+              <a:solidFill>
+                <a:schemeClr val="dk1"/>
+              </a:solidFill>
+            </a:endParaRPr>
+          </a:p>
+          <a:p>
+            <a:pPr marL="0" lvl="0" indent="0" algn="l" rtl="0">
+              <a:spcBef>
+                <a:spcPts val="0"/>
+              </a:spcBef>
+              <a:spcAft>
+                <a:spcPts val="0"/>
+              </a:spcAft>
+              <a:buNone/>
+            </a:pPr>
+            <a:r>
+              <a:rPr lang="en" sz="1800">
+                <a:latin typeface="Consolas"/>
+                <a:ea typeface="Consolas"/>
+                <a:cs typeface="Consolas"/>
+                <a:sym typeface="Consolas"/>
+              </a:rPr>
+              <a:t>  </a:t>
+            </a:r>
+            <a:r>
+              <a:rPr lang="en" sz="1800">
+                <a:solidFill>
+                  <a:srgbClr val="3F51B5"/>
+                </a:solidFill>
+                <a:latin typeface="Consolas"/>
+                <a:ea typeface="Consolas"/>
+                <a:cs typeface="Consolas"/>
+                <a:sym typeface="Consolas"/>
+              </a:rPr>
+              <a:t>val</a:t>
+            </a:r>
+            <a:r>
+              <a:rPr lang="en" sz="1800">
+                <a:latin typeface="Consolas"/>
+                <a:ea typeface="Consolas"/>
+                <a:cs typeface="Consolas"/>
+                <a:sym typeface="Consolas"/>
+              </a:rPr>
+              <a:t> s2 = </a:t>
+            </a:r>
+            <a:r>
+              <a:rPr lang="en" sz="1800">
+                <a:solidFill>
+                  <a:srgbClr val="388E3C"/>
+                </a:solidFill>
+                <a:latin typeface="Consolas"/>
+                <a:ea typeface="Consolas"/>
+                <a:cs typeface="Consolas"/>
+                <a:sym typeface="Consolas"/>
+              </a:rPr>
+              <a:t>"Hello world!\n"</a:t>
+            </a:r>
+            <a:endParaRPr sz="1800">
+              <a:solidFill>
+                <a:srgbClr val="388E3C"/>
+              </a:solidFill>
+              <a:latin typeface="Consolas"/>
+              <a:ea typeface="Consolas"/>
+              <a:cs typeface="Consolas"/>
+              <a:sym typeface="Consolas"/>
+            </a:endParaRPr>
+          </a:p>
+          <a:p>
+            <a:pPr marL="0" lvl="0" indent="0" algn="l" rtl="0">
+              <a:spcBef>
+                <a:spcPts val="1600"/>
+              </a:spcBef>
+              <a:spcAft>
+                <a:spcPts val="0"/>
+              </a:spcAft>
+              <a:buNone/>
+            </a:pPr>
+            <a:r>
+              <a:rPr lang="en" sz="1800"/>
+              <a:t>Or any arbitrary text delimited by a triple quote (</a:t>
+            </a:r>
+            <a:r>
+              <a:rPr lang="en" sz="1800">
+                <a:latin typeface="Courier New"/>
+                <a:ea typeface="Courier New"/>
+                <a:cs typeface="Courier New"/>
+                <a:sym typeface="Courier New"/>
+              </a:rPr>
+              <a:t>"""</a:t>
+            </a:r>
+            <a:r>
+              <a:rPr lang="en" sz="1800"/>
+              <a:t>)</a:t>
+            </a:r>
+            <a:endParaRPr sz="1800"/>
+          </a:p>
+          <a:p>
+            <a:pPr marL="0" lvl="0" indent="0" algn="l" rtl="0">
+              <a:spcBef>
+                <a:spcPts val="0"/>
+              </a:spcBef>
+              <a:spcAft>
+                <a:spcPts val="0"/>
+              </a:spcAft>
+              <a:buNone/>
+            </a:pPr>
+            <a:r>
+              <a:rPr lang="en" sz="1800">
+                <a:latin typeface="Consolas"/>
+                <a:ea typeface="Consolas"/>
+                <a:cs typeface="Consolas"/>
+                <a:sym typeface="Consolas"/>
+              </a:rPr>
+              <a:t>  </a:t>
+            </a:r>
+            <a:r>
+              <a:rPr lang="en" sz="1800">
+                <a:solidFill>
+                  <a:srgbClr val="3F51B5"/>
+                </a:solidFill>
+                <a:latin typeface="Consolas"/>
+                <a:ea typeface="Consolas"/>
+                <a:cs typeface="Consolas"/>
+                <a:sym typeface="Consolas"/>
+              </a:rPr>
+              <a:t>val</a:t>
+            </a:r>
+            <a:r>
+              <a:rPr lang="en" sz="1800">
+                <a:latin typeface="Consolas"/>
+                <a:ea typeface="Consolas"/>
+                <a:cs typeface="Consolas"/>
+                <a:sym typeface="Consolas"/>
+              </a:rPr>
+              <a:t> text = </a:t>
+            </a:r>
+            <a:r>
+              <a:rPr lang="en" sz="1800">
+                <a:solidFill>
+                  <a:srgbClr val="388E3C"/>
+                </a:solidFill>
+                <a:latin typeface="Consolas"/>
+                <a:ea typeface="Consolas"/>
+                <a:cs typeface="Consolas"/>
+                <a:sym typeface="Consolas"/>
+              </a:rPr>
+              <a:t>"""</a:t>
+            </a:r>
+            <a:endParaRPr sz="1800">
+              <a:solidFill>
+                <a:srgbClr val="388E3C"/>
+              </a:solidFill>
+              <a:latin typeface="Consolas"/>
+              <a:ea typeface="Consolas"/>
+              <a:cs typeface="Consolas"/>
+              <a:sym typeface="Consolas"/>
+            </a:endParaRPr>
+          </a:p>
+          <a:p>
+            <a:pPr marL="0" lvl="0" indent="457200" algn="l" rtl="0">
+              <a:spcBef>
+                <a:spcPts val="0"/>
+              </a:spcBef>
+              <a:spcAft>
+                <a:spcPts val="0"/>
+              </a:spcAft>
+              <a:buNone/>
+            </a:pPr>
+            <a:r>
+              <a:rPr lang="en" sz="1800">
+                <a:solidFill>
+                  <a:srgbClr val="388E3C"/>
+                </a:solidFill>
+                <a:latin typeface="Consolas"/>
+                <a:ea typeface="Consolas"/>
+                <a:cs typeface="Consolas"/>
+                <a:sym typeface="Consolas"/>
+              </a:rPr>
+              <a:t>  var bikes = 50 </a:t>
+            </a:r>
+            <a:endParaRPr sz="1800">
+              <a:solidFill>
+                <a:srgbClr val="388E3C"/>
+              </a:solidFill>
+              <a:latin typeface="Consolas"/>
+              <a:ea typeface="Consolas"/>
+              <a:cs typeface="Consolas"/>
+              <a:sym typeface="Consolas"/>
+            </a:endParaRPr>
+          </a:p>
+          <a:p>
+            <a:pPr marL="0" lvl="0" indent="0" algn="l" rtl="0">
+              <a:spcBef>
+                <a:spcPts val="0"/>
+              </a:spcBef>
+              <a:spcAft>
+                <a:spcPts val="0"/>
+              </a:spcAft>
+              <a:buClr>
+                <a:schemeClr val="dk1"/>
+              </a:buClr>
+              <a:buSzPts val="1100"/>
+              <a:buFont typeface="Arial"/>
+              <a:buNone/>
+            </a:pPr>
+            <a:r>
+              <a:rPr lang="en" sz="1800">
+                <a:solidFill>
+                  <a:srgbClr val="388E3C"/>
+                </a:solidFill>
+                <a:latin typeface="Consolas"/>
+                <a:ea typeface="Consolas"/>
+                <a:cs typeface="Consolas"/>
+                <a:sym typeface="Consolas"/>
+              </a:rPr>
+              <a:t>  """</a:t>
+            </a:r>
+            <a:endParaRPr sz="1350">
+              <a:solidFill>
+                <a:srgbClr val="388E3C"/>
+              </a:solidFill>
+              <a:latin typeface="Arial"/>
+              <a:ea typeface="Arial"/>
+              <a:cs typeface="Arial"/>
+              <a:sym typeface="Arial"/>
+            </a:endParaRPr>
+          </a:p>
+          <a:p>
+            <a:pPr marL="0" lvl="0" indent="0" algn="l" rtl="0">
+              <a:spcBef>
+                <a:spcPts val="0"/>
+              </a:spcBef>
+              <a:spcAft>
+                <a:spcPts val="0"/>
+              </a:spcAft>
+              <a:buClr>
+                <a:schemeClr val="dk1"/>
+              </a:buClr>
+              <a:buSzPts val="1100"/>
+              <a:buFont typeface="Arial"/>
+              <a:buNone/>
+            </a:pPr>
+            <a:endParaRPr sz="1800">
+              <a:latin typeface="Consolas"/>
+              <a:ea typeface="Consolas"/>
+              <a:cs typeface="Consolas"/>
+              <a:sym typeface="Consolas"/>
+            </a:endParaRPr>
+          </a:p>
+          <a:p>
+            <a:pPr marL="0" lvl="0" indent="0" algn="l" rtl="0">
+              <a:spcBef>
+                <a:spcPts val="1000"/>
+              </a:spcBef>
+              <a:spcAft>
+                <a:spcPts val="0"/>
+              </a:spcAft>
+              <a:buNone/>
+            </a:pPr>
+            <a:endParaRPr sz="1800"/>
+          </a:p>
+          <a:p>
+            <a:pPr marL="0" lvl="0" indent="0" algn="l" rtl="0">
+              <a:spcBef>
+                <a:spcPts val="1000"/>
+              </a:spcBef>
+              <a:spcAft>
+                <a:spcPts val="0"/>
+              </a:spcAft>
+              <a:buNone/>
+            </a:pPr>
+            <a:endParaRPr sz="1800">
+              <a:latin typeface="Consolas"/>
+              <a:ea typeface="Consolas"/>
+              <a:cs typeface="Consolas"/>
+              <a:sym typeface="Consolas"/>
+            </a:endParaRPr>
+          </a:p>
+        </p:txBody>
+      </p:sp>
+      <p:sp>
+        <p:nvSpPr>
+          <p:cNvPr id="228" name="Google Shape;228;p27"/>
+          <p:cNvSpPr txBox="1">
+            <a:spLocks noGrp="1"/>
+          </p:cNvSpPr>
+          <p:nvPr>
+            <p:ph type="sldNum" idx="12"/>
+          </p:nvPr>
+        </p:nvSpPr>
+        <p:spPr>
+          <a:xfrm>
+            <a:off x="8548658" y="4739417"/>
+            <a:ext cx="548700" cy="393600"/>
+          </a:xfrm>
+          <a:prstGeom prst="rect">
+            <a:avLst/>
+          </a:prstGeom>
+        </p:spPr>
+        <p:txBody>
+          <a:bodyPr spcFirstLastPara="1" wrap="square" lIns="91425" tIns="91425" rIns="91425" bIns="91425" anchor="ctr" anchorCtr="0">
+            <a:noAutofit/>
+          </a:bodyPr>
+          <a:lstStyle/>
+          <a:p>
+            <a:pPr marL="0" lvl="0" indent="0" algn="r" rtl="0">
+              <a:spcBef>
+                <a:spcPts val="0"/>
+              </a:spcBef>
+              <a:spcAft>
+                <a:spcPts val="0"/>
+              </a:spcAft>
+              <a:buNone/>
+            </a:pPr>
+            <a:fld id="{00000000-1234-1234-1234-123412341234}" type="slidenum">
+              <a:rPr lang="en"/>
+              <a:t>20</a:t>
+            </a:fld>
+            <a:endParaRPr/>
+          </a:p>
+        </p:txBody>
+      </p:sp>
+    </p:spTree>
+  </p:cSld>
+  <p:clrMapOvr>
+    <a:masterClrMapping/>
+  </p:clrMapOvr>
+</p:sld>
+</file>
+
+<file path=ppt/slides/slide21.xml><?xml version="1.0" encoding="utf-8"?>
+<p:sld xmlns:a="http://schemas.openxmlformats.org/drawingml/2006/main" xmlns:r="http://schemas.openxmlformats.org/officeDocument/2006/relationships" xmlns:p="http://schemas.openxmlformats.org/presentationml/2006/main">
+  <p:cSld>
+    <p:spTree>
+      <p:nvGrpSpPr>
         <p:cNvPr id="1" name="Shape 232"/>
         <p:cNvGrpSpPr/>
         <p:nvPr/>
@@ -24322,7 +24500,7 @@
             </a:pPr>
             <a:fld id="{00000000-1234-1234-1234-123412341234}" type="slidenum">
               <a:rPr lang="en"/>
-              <a:t>20</a:t>
+              <a:t>21</a:t>
             </a:fld>
             <a:endParaRPr/>
           </a:p>
@@ -24567,7 +24745,7 @@
 </p:sld>
 </file>
 
-<file path=ppt/slides/slide21.xml><?xml version="1.0" encoding="utf-8"?>
+<file path=ppt/slides/slide22.xml><?xml version="1.0" encoding="utf-8"?>
 <p:sld xmlns:a="http://schemas.openxmlformats.org/drawingml/2006/main" xmlns:r="http://schemas.openxmlformats.org/officeDocument/2006/relationships" xmlns:p="http://schemas.openxmlformats.org/presentationml/2006/main">
   <p:cSld>
     <p:spTree>
@@ -24866,7 +25044,7 @@
             </a:pPr>
             <a:fld id="{00000000-1234-1234-1234-123412341234}" type="slidenum">
               <a:rPr lang="en"/>
-              <a:t>21</a:t>
+              <a:t>22</a:t>
             </a:fld>
             <a:endParaRPr/>
           </a:p>
@@ -25458,7 +25636,7 @@
 </p:sld>
 </file>
 
-<file path=ppt/slides/slide22.xml><?xml version="1.0" encoding="utf-8"?>
+<file path=ppt/slides/slide23.xml><?xml version="1.0" encoding="utf-8"?>
 <p:sld xmlns:a="http://schemas.openxmlformats.org/drawingml/2006/main" xmlns:r="http://schemas.openxmlformats.org/officeDocument/2006/relationships" xmlns:p="http://schemas.openxmlformats.org/presentationml/2006/main">
   <p:cSld>
     <p:spTree>
@@ -25713,7 +25891,7 @@
             </a:pPr>
             <a:fld id="{00000000-1234-1234-1234-123412341234}" type="slidenum">
               <a:rPr lang="en"/>
-              <a:t>22</a:t>
+              <a:t>23</a:t>
             </a:fld>
             <a:endParaRPr/>
           </a:p>
@@ -25989,7 +26167,7 @@
 </p:sld>
 </file>
 
-<file path=ppt/slides/slide23.xml><?xml version="1.0" encoding="utf-8"?>
+<file path=ppt/slides/slide24.xml><?xml version="1.0" encoding="utf-8"?>
 <p:sld xmlns:a="http://schemas.openxmlformats.org/drawingml/2006/main" xmlns:r="http://schemas.openxmlformats.org/officeDocument/2006/relationships" xmlns:p="http://schemas.openxmlformats.org/presentationml/2006/main">
   <p:cSld>
     <p:spTree>
@@ -26084,7 +26262,7 @@
             </a:pPr>
             <a:fld id="{00000000-1234-1234-1234-123412341234}" type="slidenum">
               <a:rPr lang="en"/>
-              <a:t>23</a:t>
+              <a:t>24</a:t>
             </a:fld>
             <a:endParaRPr/>
           </a:p>
@@ -26098,7 +26276,7 @@
 </p:sld>
 </file>
 
-<file path=ppt/slides/slide24.xml><?xml version="1.0" encoding="utf-8"?>
+<file path=ppt/slides/slide25.xml><?xml version="1.0" encoding="utf-8"?>
 <p:sld xmlns:a="http://schemas.openxmlformats.org/drawingml/2006/main" xmlns:r="http://schemas.openxmlformats.org/officeDocument/2006/relationships" xmlns:p="http://schemas.openxmlformats.org/presentationml/2006/main">
   <p:cSld>
     <p:spTree>
@@ -26151,7 +26329,7 @@
             </a:pPr>
             <a:fld id="{00000000-1234-1234-1234-123412341234}" type="slidenum">
               <a:rPr lang="en"/>
-              <a:t>24</a:t>
+              <a:t>25</a:t>
             </a:fld>
             <a:endParaRPr/>
           </a:p>
@@ -26494,7 +26672,7 @@
 </p:sld>
 </file>
 
-<file path=ppt/slides/slide25.xml><?xml version="1.0" encoding="utf-8"?>
+<file path=ppt/slides/slide26.xml><?xml version="1.0" encoding="utf-8"?>
 <p:sld xmlns:a="http://schemas.openxmlformats.org/drawingml/2006/main" xmlns:r="http://schemas.openxmlformats.org/officeDocument/2006/relationships" xmlns:p="http://schemas.openxmlformats.org/presentationml/2006/main">
   <p:cSld>
     <p:spTree>
@@ -26779,7 +26957,7 @@
             </a:pPr>
             <a:fld id="{00000000-1234-1234-1234-123412341234}" type="slidenum">
               <a:rPr lang="en"/>
-              <a:t>25</a:t>
+              <a:t>26</a:t>
             </a:fld>
             <a:endParaRPr/>
           </a:p>
@@ -26900,7 +27078,7 @@
 </p:sld>
 </file>
 
-<file path=ppt/slides/slide26.xml><?xml version="1.0" encoding="utf-8"?>
+<file path=ppt/slides/slide27.xml><?xml version="1.0" encoding="utf-8"?>
 <p:sld xmlns:a="http://schemas.openxmlformats.org/drawingml/2006/main" xmlns:r="http://schemas.openxmlformats.org/officeDocument/2006/relationships" xmlns:p="http://schemas.openxmlformats.org/presentationml/2006/main">
   <p:cSld>
     <p:spTree>
@@ -26953,7 +27131,7 @@
             </a:pPr>
             <a:fld id="{00000000-1234-1234-1234-123412341234}" type="slidenum">
               <a:rPr lang="en"/>
-              <a:t>26</a:t>
+              <a:t>27</a:t>
             </a:fld>
             <a:endParaRPr/>
           </a:p>
@@ -27355,7 +27533,7 @@
 </p:sld>
 </file>
 
-<file path=ppt/slides/slide27.xml><?xml version="1.0" encoding="utf-8"?>
+<file path=ppt/slides/slide28.xml><?xml version="1.0" encoding="utf-8"?>
 <p:sld xmlns:a="http://schemas.openxmlformats.org/drawingml/2006/main" xmlns:r="http://schemas.openxmlformats.org/officeDocument/2006/relationships" xmlns:p="http://schemas.openxmlformats.org/presentationml/2006/main">
   <p:cSld>
     <p:spTree>
@@ -27660,7 +27838,7 @@
             </a:pPr>
             <a:fld id="{00000000-1234-1234-1234-123412341234}" type="slidenum">
               <a:rPr lang="en"/>
-              <a:t>27</a:t>
+              <a:t>28</a:t>
             </a:fld>
             <a:endParaRPr/>
           </a:p>
@@ -27955,7 +28133,7 @@
 </p:sld>
 </file>
 
-<file path=ppt/slides/slide28.xml><?xml version="1.0" encoding="utf-8"?>
+<file path=ppt/slides/slide29.xml><?xml version="1.0" encoding="utf-8"?>
 <p:sld xmlns:a="http://schemas.openxmlformats.org/drawingml/2006/main" xmlns:r="http://schemas.openxmlformats.org/officeDocument/2006/relationships" xmlns:p="http://schemas.openxmlformats.org/presentationml/2006/main">
   <p:cSld>
     <p:spTree>
@@ -28055,423 +28233,9 @@
             </a:pPr>
             <a:fld id="{00000000-1234-1234-1234-123412341234}" type="slidenum">
               <a:rPr lang="en"/>
-              <a:t>28</a:t>
-            </a:fld>
-            <a:endParaRPr/>
-          </a:p>
-        </p:txBody>
-      </p:sp>
-    </p:spTree>
-  </p:cSld>
-  <p:clrMapOvr>
-    <a:masterClrMapping/>
-  </p:clrMapOvr>
-</p:sld>
-</file>
-
-<file path=ppt/slides/slide29.xml><?xml version="1.0" encoding="utf-8"?>
-<p:sld xmlns:a="http://schemas.openxmlformats.org/drawingml/2006/main" xmlns:r="http://schemas.openxmlformats.org/officeDocument/2006/relationships" xmlns:p="http://schemas.openxmlformats.org/presentationml/2006/main">
-  <p:cSld>
-    <p:spTree>
-      <p:nvGrpSpPr>
-        <p:cNvPr id="1" name="Shape 310"/>
-        <p:cNvGrpSpPr/>
-        <p:nvPr/>
-      </p:nvGrpSpPr>
-      <p:grpSpPr>
-        <a:xfrm>
-          <a:off x="0" y="0"/>
-          <a:ext cx="0" cy="0"/>
-          <a:chOff x="0" y="0"/>
-          <a:chExt cx="0" cy="0"/>
-        </a:xfrm>
-      </p:grpSpPr>
-      <p:sp>
-        <p:nvSpPr>
-          <p:cNvPr id="311" name="Google Shape;311;p37"/>
-          <p:cNvSpPr txBox="1">
-            <a:spLocks noGrp="1"/>
-          </p:cNvSpPr>
-          <p:nvPr>
-            <p:ph type="sldNum" idx="12"/>
-          </p:nvPr>
-        </p:nvSpPr>
-        <p:spPr>
-          <a:xfrm>
-            <a:off x="8548658" y="4739417"/>
-            <a:ext cx="548700" cy="393600"/>
-          </a:xfrm>
-          <a:prstGeom prst="rect">
-            <a:avLst/>
-          </a:prstGeom>
-        </p:spPr>
-        <p:txBody>
-          <a:bodyPr spcFirstLastPara="1" wrap="square" lIns="91425" tIns="91425" rIns="91425" bIns="91425" anchor="ctr" anchorCtr="0">
-            <a:noAutofit/>
-          </a:bodyPr>
-          <a:lstStyle/>
-          <a:p>
-            <a:pPr marL="0" lvl="0" indent="0" algn="r" rtl="0">
-              <a:spcBef>
-                <a:spcPts val="0"/>
-              </a:spcBef>
-              <a:spcAft>
-                <a:spcPts val="0"/>
-              </a:spcAft>
-              <a:buNone/>
-            </a:pPr>
-            <a:fld id="{00000000-1234-1234-1234-123412341234}" type="slidenum">
-              <a:rPr lang="en"/>
               <a:t>29</a:t>
             </a:fld>
             <a:endParaRPr/>
-          </a:p>
-        </p:txBody>
-      </p:sp>
-      <p:sp>
-        <p:nvSpPr>
-          <p:cNvPr id="312" name="Google Shape;312;p37"/>
-          <p:cNvSpPr txBox="1">
-            <a:spLocks noGrp="1"/>
-          </p:cNvSpPr>
-          <p:nvPr>
-            <p:ph type="title"/>
-          </p:nvPr>
-        </p:nvSpPr>
-        <p:spPr>
-          <a:xfrm>
-            <a:off x="311700" y="170820"/>
-            <a:ext cx="8520600" cy="572700"/>
-          </a:xfrm>
-          <a:prstGeom prst="rect">
-            <a:avLst/>
-          </a:prstGeom>
-        </p:spPr>
-        <p:txBody>
-          <a:bodyPr spcFirstLastPara="1" wrap="square" lIns="91425" tIns="91425" rIns="91425" bIns="91425" anchor="t" anchorCtr="0">
-            <a:noAutofit/>
-          </a:bodyPr>
-          <a:lstStyle/>
-          <a:p>
-            <a:pPr marL="0" lvl="0" indent="0" algn="l" rtl="0">
-              <a:spcBef>
-                <a:spcPts val="0"/>
-              </a:spcBef>
-              <a:spcAft>
-                <a:spcPts val="0"/>
-              </a:spcAft>
-              <a:buNone/>
-            </a:pPr>
-            <a:r>
-              <a:rPr lang="en"/>
-              <a:t>Control flow</a:t>
-            </a:r>
-            <a:endParaRPr/>
-          </a:p>
-        </p:txBody>
-      </p:sp>
-      <p:sp>
-        <p:nvSpPr>
-          <p:cNvPr id="313" name="Google Shape;313;p37"/>
-          <p:cNvSpPr txBox="1"/>
-          <p:nvPr/>
-        </p:nvSpPr>
-        <p:spPr>
-          <a:xfrm>
-            <a:off x="311700" y="1451050"/>
-            <a:ext cx="8127000" cy="2547600"/>
-          </a:xfrm>
-          <a:prstGeom prst="rect">
-            <a:avLst/>
-          </a:prstGeom>
-          <a:noFill/>
-          <a:ln>
-            <a:noFill/>
-          </a:ln>
-        </p:spPr>
-        <p:txBody>
-          <a:bodyPr spcFirstLastPara="1" wrap="square" lIns="91425" tIns="91425" rIns="91425" bIns="91425" anchor="t" anchorCtr="0">
-            <a:noAutofit/>
-          </a:bodyPr>
-          <a:lstStyle/>
-          <a:p>
-            <a:pPr marL="76200" marR="76200" lvl="0" indent="0" algn="l" rtl="0">
-              <a:lnSpc>
-                <a:spcPct val="115000"/>
-              </a:lnSpc>
-              <a:spcBef>
-                <a:spcPts val="0"/>
-              </a:spcBef>
-              <a:spcAft>
-                <a:spcPts val="0"/>
-              </a:spcAft>
-              <a:buNone/>
-            </a:pPr>
-            <a:r>
-              <a:rPr lang="en" sz="2200">
-                <a:solidFill>
-                  <a:srgbClr val="333333"/>
-                </a:solidFill>
-                <a:highlight>
-                  <a:srgbClr val="FFFFFF"/>
-                </a:highlight>
-                <a:latin typeface="Roboto"/>
-                <a:ea typeface="Roboto"/>
-                <a:cs typeface="Roboto"/>
-                <a:sym typeface="Roboto"/>
-              </a:rPr>
-              <a:t>Kotlin features several ways to implement conditional logic:</a:t>
-            </a:r>
-            <a:r>
-              <a:rPr lang="en" sz="1800">
-                <a:solidFill>
-                  <a:srgbClr val="333333"/>
-                </a:solidFill>
-                <a:highlight>
-                  <a:srgbClr val="FFFFFF"/>
-                </a:highlight>
-                <a:latin typeface="Roboto"/>
-                <a:ea typeface="Roboto"/>
-                <a:cs typeface="Roboto"/>
-                <a:sym typeface="Roboto"/>
-              </a:rPr>
-              <a:t> </a:t>
-            </a:r>
-            <a:endParaRPr sz="1800">
-              <a:solidFill>
-                <a:srgbClr val="333333"/>
-              </a:solidFill>
-              <a:highlight>
-                <a:srgbClr val="FFFFFF"/>
-              </a:highlight>
-              <a:latin typeface="Roboto"/>
-              <a:ea typeface="Roboto"/>
-              <a:cs typeface="Roboto"/>
-              <a:sym typeface="Roboto"/>
-            </a:endParaRPr>
-          </a:p>
-          <a:p>
-            <a:pPr marL="457200" marR="76200" lvl="0" indent="-368300" algn="l" rtl="0">
-              <a:lnSpc>
-                <a:spcPct val="150000"/>
-              </a:lnSpc>
-              <a:spcBef>
-                <a:spcPts val="1000"/>
-              </a:spcBef>
-              <a:spcAft>
-                <a:spcPts val="0"/>
-              </a:spcAft>
-              <a:buClr>
-                <a:srgbClr val="333333"/>
-              </a:buClr>
-              <a:buSzPts val="2200"/>
-              <a:buFont typeface="Roboto"/>
-              <a:buChar char="●"/>
-            </a:pPr>
-            <a:r>
-              <a:rPr lang="en" sz="2200">
-                <a:solidFill>
-                  <a:srgbClr val="333333"/>
-                </a:solidFill>
-                <a:highlight>
-                  <a:srgbClr val="FFFFFF"/>
-                </a:highlight>
-                <a:latin typeface="Roboto"/>
-                <a:ea typeface="Roboto"/>
-                <a:cs typeface="Roboto"/>
-                <a:sym typeface="Roboto"/>
-              </a:rPr>
-              <a:t>If/Else statements</a:t>
-            </a:r>
-            <a:endParaRPr sz="2200">
-              <a:solidFill>
-                <a:srgbClr val="333333"/>
-              </a:solidFill>
-              <a:highlight>
-                <a:srgbClr val="FFFFFF"/>
-              </a:highlight>
-              <a:latin typeface="Roboto"/>
-              <a:ea typeface="Roboto"/>
-              <a:cs typeface="Roboto"/>
-              <a:sym typeface="Roboto"/>
-            </a:endParaRPr>
-          </a:p>
-          <a:p>
-            <a:pPr marL="457200" marR="76200" lvl="0" indent="-368300" algn="l" rtl="0">
-              <a:lnSpc>
-                <a:spcPct val="150000"/>
-              </a:lnSpc>
-              <a:spcBef>
-                <a:spcPts val="0"/>
-              </a:spcBef>
-              <a:spcAft>
-                <a:spcPts val="0"/>
-              </a:spcAft>
-              <a:buClr>
-                <a:srgbClr val="333333"/>
-              </a:buClr>
-              <a:buSzPts val="2200"/>
-              <a:buFont typeface="Roboto"/>
-              <a:buChar char="●"/>
-            </a:pPr>
-            <a:r>
-              <a:rPr lang="en" sz="2200">
-                <a:solidFill>
-                  <a:srgbClr val="333333"/>
-                </a:solidFill>
-                <a:highlight>
-                  <a:srgbClr val="FFFFFF"/>
-                </a:highlight>
-                <a:latin typeface="Roboto"/>
-                <a:ea typeface="Roboto"/>
-                <a:cs typeface="Roboto"/>
-                <a:sym typeface="Roboto"/>
-              </a:rPr>
-              <a:t>When statements</a:t>
-            </a:r>
-            <a:endParaRPr sz="2200">
-              <a:solidFill>
-                <a:srgbClr val="333333"/>
-              </a:solidFill>
-              <a:highlight>
-                <a:srgbClr val="FFFFFF"/>
-              </a:highlight>
-              <a:latin typeface="Roboto"/>
-              <a:ea typeface="Roboto"/>
-              <a:cs typeface="Roboto"/>
-              <a:sym typeface="Roboto"/>
-            </a:endParaRPr>
-          </a:p>
-          <a:p>
-            <a:pPr marL="457200" marR="76200" lvl="0" indent="-368300" algn="l" rtl="0">
-              <a:lnSpc>
-                <a:spcPct val="150000"/>
-              </a:lnSpc>
-              <a:spcBef>
-                <a:spcPts val="0"/>
-              </a:spcBef>
-              <a:spcAft>
-                <a:spcPts val="0"/>
-              </a:spcAft>
-              <a:buClr>
-                <a:srgbClr val="333333"/>
-              </a:buClr>
-              <a:buSzPts val="2200"/>
-              <a:buFont typeface="Roboto"/>
-              <a:buChar char="●"/>
-            </a:pPr>
-            <a:r>
-              <a:rPr lang="en" sz="2200">
-                <a:solidFill>
-                  <a:srgbClr val="333333"/>
-                </a:solidFill>
-                <a:highlight>
-                  <a:srgbClr val="FFFFFF"/>
-                </a:highlight>
-                <a:latin typeface="Roboto"/>
-                <a:ea typeface="Roboto"/>
-                <a:cs typeface="Roboto"/>
-                <a:sym typeface="Roboto"/>
-              </a:rPr>
-              <a:t>For loops</a:t>
-            </a:r>
-            <a:endParaRPr sz="2200">
-              <a:solidFill>
-                <a:srgbClr val="333333"/>
-              </a:solidFill>
-              <a:highlight>
-                <a:srgbClr val="FFFFFF"/>
-              </a:highlight>
-              <a:latin typeface="Roboto"/>
-              <a:ea typeface="Roboto"/>
-              <a:cs typeface="Roboto"/>
-              <a:sym typeface="Roboto"/>
-            </a:endParaRPr>
-          </a:p>
-          <a:p>
-            <a:pPr marL="457200" marR="76200" lvl="0" indent="-368300" algn="l" rtl="0">
-              <a:lnSpc>
-                <a:spcPct val="150000"/>
-              </a:lnSpc>
-              <a:spcBef>
-                <a:spcPts val="0"/>
-              </a:spcBef>
-              <a:spcAft>
-                <a:spcPts val="0"/>
-              </a:spcAft>
-              <a:buClr>
-                <a:srgbClr val="333333"/>
-              </a:buClr>
-              <a:buSzPts val="2200"/>
-              <a:buFont typeface="Roboto"/>
-              <a:buChar char="●"/>
-            </a:pPr>
-            <a:r>
-              <a:rPr lang="en" sz="2200">
-                <a:solidFill>
-                  <a:srgbClr val="333333"/>
-                </a:solidFill>
-                <a:highlight>
-                  <a:srgbClr val="FFFFFF"/>
-                </a:highlight>
-                <a:latin typeface="Roboto"/>
-                <a:ea typeface="Roboto"/>
-                <a:cs typeface="Roboto"/>
-                <a:sym typeface="Roboto"/>
-              </a:rPr>
-              <a:t>While loops</a:t>
-            </a:r>
-            <a:endParaRPr sz="2200">
-              <a:solidFill>
-                <a:srgbClr val="333333"/>
-              </a:solidFill>
-              <a:highlight>
-                <a:srgbClr val="FFFFFF"/>
-              </a:highlight>
-              <a:latin typeface="Roboto"/>
-              <a:ea typeface="Roboto"/>
-              <a:cs typeface="Roboto"/>
-              <a:sym typeface="Roboto"/>
-            </a:endParaRPr>
-          </a:p>
-          <a:p>
-            <a:pPr marL="0" lvl="0" indent="0" algn="l" rtl="0">
-              <a:spcBef>
-                <a:spcPts val="0"/>
-              </a:spcBef>
-              <a:spcAft>
-                <a:spcPts val="0"/>
-              </a:spcAft>
-              <a:buClr>
-                <a:schemeClr val="dk1"/>
-              </a:buClr>
-              <a:buSzPts val="1100"/>
-              <a:buFont typeface="Arial"/>
-              <a:buNone/>
-            </a:pPr>
-            <a:endParaRPr>
-              <a:latin typeface="Roboto"/>
-              <a:ea typeface="Roboto"/>
-              <a:cs typeface="Roboto"/>
-              <a:sym typeface="Roboto"/>
-            </a:endParaRPr>
-          </a:p>
-          <a:p>
-            <a:pPr marL="0" lvl="0" indent="0" algn="l" rtl="0">
-              <a:spcBef>
-                <a:spcPts val="0"/>
-              </a:spcBef>
-              <a:spcAft>
-                <a:spcPts val="0"/>
-              </a:spcAft>
-              <a:buNone/>
-            </a:pPr>
-            <a:endParaRPr>
-              <a:latin typeface="Roboto"/>
-              <a:ea typeface="Roboto"/>
-              <a:cs typeface="Roboto"/>
-              <a:sym typeface="Roboto"/>
-            </a:endParaRPr>
           </a:p>
         </p:txBody>
       </p:sp>
@@ -28597,6 +28361,420 @@
   <p:cSld>
     <p:spTree>
       <p:nvGrpSpPr>
+        <p:cNvPr id="1" name="Shape 310"/>
+        <p:cNvGrpSpPr/>
+        <p:nvPr/>
+      </p:nvGrpSpPr>
+      <p:grpSpPr>
+        <a:xfrm>
+          <a:off x="0" y="0"/>
+          <a:ext cx="0" cy="0"/>
+          <a:chOff x="0" y="0"/>
+          <a:chExt cx="0" cy="0"/>
+        </a:xfrm>
+      </p:grpSpPr>
+      <p:sp>
+        <p:nvSpPr>
+          <p:cNvPr id="311" name="Google Shape;311;p37"/>
+          <p:cNvSpPr txBox="1">
+            <a:spLocks noGrp="1"/>
+          </p:cNvSpPr>
+          <p:nvPr>
+            <p:ph type="sldNum" idx="12"/>
+          </p:nvPr>
+        </p:nvSpPr>
+        <p:spPr>
+          <a:xfrm>
+            <a:off x="8548658" y="4739417"/>
+            <a:ext cx="548700" cy="393600"/>
+          </a:xfrm>
+          <a:prstGeom prst="rect">
+            <a:avLst/>
+          </a:prstGeom>
+        </p:spPr>
+        <p:txBody>
+          <a:bodyPr spcFirstLastPara="1" wrap="square" lIns="91425" tIns="91425" rIns="91425" bIns="91425" anchor="ctr" anchorCtr="0">
+            <a:noAutofit/>
+          </a:bodyPr>
+          <a:lstStyle/>
+          <a:p>
+            <a:pPr marL="0" lvl="0" indent="0" algn="r" rtl="0">
+              <a:spcBef>
+                <a:spcPts val="0"/>
+              </a:spcBef>
+              <a:spcAft>
+                <a:spcPts val="0"/>
+              </a:spcAft>
+              <a:buNone/>
+            </a:pPr>
+            <a:fld id="{00000000-1234-1234-1234-123412341234}" type="slidenum">
+              <a:rPr lang="en"/>
+              <a:t>30</a:t>
+            </a:fld>
+            <a:endParaRPr/>
+          </a:p>
+        </p:txBody>
+      </p:sp>
+      <p:sp>
+        <p:nvSpPr>
+          <p:cNvPr id="312" name="Google Shape;312;p37"/>
+          <p:cNvSpPr txBox="1">
+            <a:spLocks noGrp="1"/>
+          </p:cNvSpPr>
+          <p:nvPr>
+            <p:ph type="title"/>
+          </p:nvPr>
+        </p:nvSpPr>
+        <p:spPr>
+          <a:xfrm>
+            <a:off x="311700" y="170820"/>
+            <a:ext cx="8520600" cy="572700"/>
+          </a:xfrm>
+          <a:prstGeom prst="rect">
+            <a:avLst/>
+          </a:prstGeom>
+        </p:spPr>
+        <p:txBody>
+          <a:bodyPr spcFirstLastPara="1" wrap="square" lIns="91425" tIns="91425" rIns="91425" bIns="91425" anchor="t" anchorCtr="0">
+            <a:noAutofit/>
+          </a:bodyPr>
+          <a:lstStyle/>
+          <a:p>
+            <a:pPr marL="0" lvl="0" indent="0" algn="l" rtl="0">
+              <a:spcBef>
+                <a:spcPts val="0"/>
+              </a:spcBef>
+              <a:spcAft>
+                <a:spcPts val="0"/>
+              </a:spcAft>
+              <a:buNone/>
+            </a:pPr>
+            <a:r>
+              <a:rPr lang="en"/>
+              <a:t>Control flow</a:t>
+            </a:r>
+            <a:endParaRPr/>
+          </a:p>
+        </p:txBody>
+      </p:sp>
+      <p:sp>
+        <p:nvSpPr>
+          <p:cNvPr id="313" name="Google Shape;313;p37"/>
+          <p:cNvSpPr txBox="1"/>
+          <p:nvPr/>
+        </p:nvSpPr>
+        <p:spPr>
+          <a:xfrm>
+            <a:off x="311700" y="1451050"/>
+            <a:ext cx="8127000" cy="2547600"/>
+          </a:xfrm>
+          <a:prstGeom prst="rect">
+            <a:avLst/>
+          </a:prstGeom>
+          <a:noFill/>
+          <a:ln>
+            <a:noFill/>
+          </a:ln>
+        </p:spPr>
+        <p:txBody>
+          <a:bodyPr spcFirstLastPara="1" wrap="square" lIns="91425" tIns="91425" rIns="91425" bIns="91425" anchor="t" anchorCtr="0">
+            <a:noAutofit/>
+          </a:bodyPr>
+          <a:lstStyle/>
+          <a:p>
+            <a:pPr marL="76200" marR="76200" lvl="0" indent="0" algn="l" rtl="0">
+              <a:lnSpc>
+                <a:spcPct val="115000"/>
+              </a:lnSpc>
+              <a:spcBef>
+                <a:spcPts val="0"/>
+              </a:spcBef>
+              <a:spcAft>
+                <a:spcPts val="0"/>
+              </a:spcAft>
+              <a:buNone/>
+            </a:pPr>
+            <a:r>
+              <a:rPr lang="en" sz="2200">
+                <a:solidFill>
+                  <a:srgbClr val="333333"/>
+                </a:solidFill>
+                <a:highlight>
+                  <a:srgbClr val="FFFFFF"/>
+                </a:highlight>
+                <a:latin typeface="Roboto"/>
+                <a:ea typeface="Roboto"/>
+                <a:cs typeface="Roboto"/>
+                <a:sym typeface="Roboto"/>
+              </a:rPr>
+              <a:t>Kotlin features several ways to implement conditional logic:</a:t>
+            </a:r>
+            <a:r>
+              <a:rPr lang="en" sz="1800">
+                <a:solidFill>
+                  <a:srgbClr val="333333"/>
+                </a:solidFill>
+                <a:highlight>
+                  <a:srgbClr val="FFFFFF"/>
+                </a:highlight>
+                <a:latin typeface="Roboto"/>
+                <a:ea typeface="Roboto"/>
+                <a:cs typeface="Roboto"/>
+                <a:sym typeface="Roboto"/>
+              </a:rPr>
+              <a:t> </a:t>
+            </a:r>
+            <a:endParaRPr sz="1800">
+              <a:solidFill>
+                <a:srgbClr val="333333"/>
+              </a:solidFill>
+              <a:highlight>
+                <a:srgbClr val="FFFFFF"/>
+              </a:highlight>
+              <a:latin typeface="Roboto"/>
+              <a:ea typeface="Roboto"/>
+              <a:cs typeface="Roboto"/>
+              <a:sym typeface="Roboto"/>
+            </a:endParaRPr>
+          </a:p>
+          <a:p>
+            <a:pPr marL="457200" marR="76200" lvl="0" indent="-368300" algn="l" rtl="0">
+              <a:lnSpc>
+                <a:spcPct val="150000"/>
+              </a:lnSpc>
+              <a:spcBef>
+                <a:spcPts val="1000"/>
+              </a:spcBef>
+              <a:spcAft>
+                <a:spcPts val="0"/>
+              </a:spcAft>
+              <a:buClr>
+                <a:srgbClr val="333333"/>
+              </a:buClr>
+              <a:buSzPts val="2200"/>
+              <a:buFont typeface="Roboto"/>
+              <a:buChar char="●"/>
+            </a:pPr>
+            <a:r>
+              <a:rPr lang="en" sz="2200">
+                <a:solidFill>
+                  <a:srgbClr val="333333"/>
+                </a:solidFill>
+                <a:highlight>
+                  <a:srgbClr val="FFFFFF"/>
+                </a:highlight>
+                <a:latin typeface="Roboto"/>
+                <a:ea typeface="Roboto"/>
+                <a:cs typeface="Roboto"/>
+                <a:sym typeface="Roboto"/>
+              </a:rPr>
+              <a:t>If/Else statements</a:t>
+            </a:r>
+            <a:endParaRPr sz="2200">
+              <a:solidFill>
+                <a:srgbClr val="333333"/>
+              </a:solidFill>
+              <a:highlight>
+                <a:srgbClr val="FFFFFF"/>
+              </a:highlight>
+              <a:latin typeface="Roboto"/>
+              <a:ea typeface="Roboto"/>
+              <a:cs typeface="Roboto"/>
+              <a:sym typeface="Roboto"/>
+            </a:endParaRPr>
+          </a:p>
+          <a:p>
+            <a:pPr marL="457200" marR="76200" lvl="0" indent="-368300" algn="l" rtl="0">
+              <a:lnSpc>
+                <a:spcPct val="150000"/>
+              </a:lnSpc>
+              <a:spcBef>
+                <a:spcPts val="0"/>
+              </a:spcBef>
+              <a:spcAft>
+                <a:spcPts val="0"/>
+              </a:spcAft>
+              <a:buClr>
+                <a:srgbClr val="333333"/>
+              </a:buClr>
+              <a:buSzPts val="2200"/>
+              <a:buFont typeface="Roboto"/>
+              <a:buChar char="●"/>
+            </a:pPr>
+            <a:r>
+              <a:rPr lang="en" sz="2200">
+                <a:solidFill>
+                  <a:srgbClr val="333333"/>
+                </a:solidFill>
+                <a:highlight>
+                  <a:srgbClr val="FFFFFF"/>
+                </a:highlight>
+                <a:latin typeface="Roboto"/>
+                <a:ea typeface="Roboto"/>
+                <a:cs typeface="Roboto"/>
+                <a:sym typeface="Roboto"/>
+              </a:rPr>
+              <a:t>When statements</a:t>
+            </a:r>
+            <a:endParaRPr sz="2200">
+              <a:solidFill>
+                <a:srgbClr val="333333"/>
+              </a:solidFill>
+              <a:highlight>
+                <a:srgbClr val="FFFFFF"/>
+              </a:highlight>
+              <a:latin typeface="Roboto"/>
+              <a:ea typeface="Roboto"/>
+              <a:cs typeface="Roboto"/>
+              <a:sym typeface="Roboto"/>
+            </a:endParaRPr>
+          </a:p>
+          <a:p>
+            <a:pPr marL="457200" marR="76200" lvl="0" indent="-368300" algn="l" rtl="0">
+              <a:lnSpc>
+                <a:spcPct val="150000"/>
+              </a:lnSpc>
+              <a:spcBef>
+                <a:spcPts val="0"/>
+              </a:spcBef>
+              <a:spcAft>
+                <a:spcPts val="0"/>
+              </a:spcAft>
+              <a:buClr>
+                <a:srgbClr val="333333"/>
+              </a:buClr>
+              <a:buSzPts val="2200"/>
+              <a:buFont typeface="Roboto"/>
+              <a:buChar char="●"/>
+            </a:pPr>
+            <a:r>
+              <a:rPr lang="en" sz="2200">
+                <a:solidFill>
+                  <a:srgbClr val="333333"/>
+                </a:solidFill>
+                <a:highlight>
+                  <a:srgbClr val="FFFFFF"/>
+                </a:highlight>
+                <a:latin typeface="Roboto"/>
+                <a:ea typeface="Roboto"/>
+                <a:cs typeface="Roboto"/>
+                <a:sym typeface="Roboto"/>
+              </a:rPr>
+              <a:t>For loops</a:t>
+            </a:r>
+            <a:endParaRPr sz="2200">
+              <a:solidFill>
+                <a:srgbClr val="333333"/>
+              </a:solidFill>
+              <a:highlight>
+                <a:srgbClr val="FFFFFF"/>
+              </a:highlight>
+              <a:latin typeface="Roboto"/>
+              <a:ea typeface="Roboto"/>
+              <a:cs typeface="Roboto"/>
+              <a:sym typeface="Roboto"/>
+            </a:endParaRPr>
+          </a:p>
+          <a:p>
+            <a:pPr marL="457200" marR="76200" lvl="0" indent="-368300" algn="l" rtl="0">
+              <a:lnSpc>
+                <a:spcPct val="150000"/>
+              </a:lnSpc>
+              <a:spcBef>
+                <a:spcPts val="0"/>
+              </a:spcBef>
+              <a:spcAft>
+                <a:spcPts val="0"/>
+              </a:spcAft>
+              <a:buClr>
+                <a:srgbClr val="333333"/>
+              </a:buClr>
+              <a:buSzPts val="2200"/>
+              <a:buFont typeface="Roboto"/>
+              <a:buChar char="●"/>
+            </a:pPr>
+            <a:r>
+              <a:rPr lang="en" sz="2200">
+                <a:solidFill>
+                  <a:srgbClr val="333333"/>
+                </a:solidFill>
+                <a:highlight>
+                  <a:srgbClr val="FFFFFF"/>
+                </a:highlight>
+                <a:latin typeface="Roboto"/>
+                <a:ea typeface="Roboto"/>
+                <a:cs typeface="Roboto"/>
+                <a:sym typeface="Roboto"/>
+              </a:rPr>
+              <a:t>While loops</a:t>
+            </a:r>
+            <a:endParaRPr sz="2200">
+              <a:solidFill>
+                <a:srgbClr val="333333"/>
+              </a:solidFill>
+              <a:highlight>
+                <a:srgbClr val="FFFFFF"/>
+              </a:highlight>
+              <a:latin typeface="Roboto"/>
+              <a:ea typeface="Roboto"/>
+              <a:cs typeface="Roboto"/>
+              <a:sym typeface="Roboto"/>
+            </a:endParaRPr>
+          </a:p>
+          <a:p>
+            <a:pPr marL="0" lvl="0" indent="0" algn="l" rtl="0">
+              <a:spcBef>
+                <a:spcPts val="0"/>
+              </a:spcBef>
+              <a:spcAft>
+                <a:spcPts val="0"/>
+              </a:spcAft>
+              <a:buClr>
+                <a:schemeClr val="dk1"/>
+              </a:buClr>
+              <a:buSzPts val="1100"/>
+              <a:buFont typeface="Arial"/>
+              <a:buNone/>
+            </a:pPr>
+            <a:endParaRPr>
+              <a:latin typeface="Roboto"/>
+              <a:ea typeface="Roboto"/>
+              <a:cs typeface="Roboto"/>
+              <a:sym typeface="Roboto"/>
+            </a:endParaRPr>
+          </a:p>
+          <a:p>
+            <a:pPr marL="0" lvl="0" indent="0" algn="l" rtl="0">
+              <a:spcBef>
+                <a:spcPts val="0"/>
+              </a:spcBef>
+              <a:spcAft>
+                <a:spcPts val="0"/>
+              </a:spcAft>
+              <a:buNone/>
+            </a:pPr>
+            <a:endParaRPr>
+              <a:latin typeface="Roboto"/>
+              <a:ea typeface="Roboto"/>
+              <a:cs typeface="Roboto"/>
+              <a:sym typeface="Roboto"/>
+            </a:endParaRPr>
+          </a:p>
+        </p:txBody>
+      </p:sp>
+    </p:spTree>
+  </p:cSld>
+  <p:clrMapOvr>
+    <a:masterClrMapping/>
+  </p:clrMapOvr>
+</p:sld>
+</file>
+
+<file path=ppt/slides/slide31.xml><?xml version="1.0" encoding="utf-8"?>
+<p:sld xmlns:a="http://schemas.openxmlformats.org/drawingml/2006/main" xmlns:r="http://schemas.openxmlformats.org/officeDocument/2006/relationships" xmlns:p="http://schemas.openxmlformats.org/presentationml/2006/main">
+  <p:cSld>
+    <p:spTree>
+      <p:nvGrpSpPr>
         <p:cNvPr id="1" name="Shape 317"/>
         <p:cNvGrpSpPr/>
         <p:nvPr/>
@@ -28857,7 +29035,7 @@
             </a:pPr>
             <a:fld id="{00000000-1234-1234-1234-123412341234}" type="slidenum">
               <a:rPr lang="en"/>
-              <a:t>30</a:t>
+              <a:t>31</a:t>
             </a:fld>
             <a:endParaRPr/>
           </a:p>
@@ -29259,7 +29437,7 @@
 </p:sld>
 </file>
 
-<file path=ppt/slides/slide31.xml><?xml version="1.0" encoding="utf-8"?>
+<file path=ppt/slides/slide32.xml><?xml version="1.0" encoding="utf-8"?>
 <p:sld xmlns:a="http://schemas.openxmlformats.org/drawingml/2006/main" xmlns:r="http://schemas.openxmlformats.org/officeDocument/2006/relationships" xmlns:p="http://schemas.openxmlformats.org/presentationml/2006/main">
   <p:cSld>
     <p:spTree>
@@ -29936,7 +30114,7 @@
             </a:pPr>
             <a:fld id="{00000000-1234-1234-1234-123412341234}" type="slidenum">
               <a:rPr lang="en"/>
-              <a:t>31</a:t>
+              <a:t>32</a:t>
             </a:fld>
             <a:endParaRPr/>
           </a:p>
@@ -30061,7 +30239,7 @@
 </p:sld>
 </file>
 
-<file path=ppt/slides/slide32.xml><?xml version="1.0" encoding="utf-8"?>
+<file path=ppt/slides/slide33.xml><?xml version="1.0" encoding="utf-8"?>
 <p:sld xmlns:a="http://schemas.openxmlformats.org/drawingml/2006/main" xmlns:r="http://schemas.openxmlformats.org/officeDocument/2006/relationships" xmlns:p="http://schemas.openxmlformats.org/presentationml/2006/main">
   <p:cSld>
     <p:spTree>
@@ -30182,7 +30360,7 @@
             </a:pPr>
             <a:fld id="{00000000-1234-1234-1234-123412341234}" type="slidenum">
               <a:rPr lang="en"/>
-              <a:t>32</a:t>
+              <a:t>33</a:t>
             </a:fld>
             <a:endParaRPr/>
           </a:p>
@@ -30346,7 +30524,7 @@
 </p:sld>
 </file>
 
-<file path=ppt/slides/slide33.xml><?xml version="1.0" encoding="utf-8"?>
+<file path=ppt/slides/slide34.xml><?xml version="1.0" encoding="utf-8"?>
 <p:sld xmlns:a="http://schemas.openxmlformats.org/drawingml/2006/main" xmlns:r="http://schemas.openxmlformats.org/officeDocument/2006/relationships" xmlns:p="http://schemas.openxmlformats.org/presentationml/2006/main">
   <p:cSld>
     <p:spTree>
@@ -30399,7 +30577,7 @@
             </a:pPr>
             <a:fld id="{00000000-1234-1234-1234-123412341234}" type="slidenum">
               <a:rPr lang="en"/>
-              <a:t>33</a:t>
+              <a:t>34</a:t>
             </a:fld>
             <a:endParaRPr/>
           </a:p>
@@ -30914,7 +31092,7 @@
 </p:sld>
 </file>
 
-<file path=ppt/slides/slide34.xml><?xml version="1.0" encoding="utf-8"?>
+<file path=ppt/slides/slide35.xml><?xml version="1.0" encoding="utf-8"?>
 <p:sld xmlns:a="http://schemas.openxmlformats.org/drawingml/2006/main" xmlns:r="http://schemas.openxmlformats.org/officeDocument/2006/relationships" xmlns:p="http://schemas.openxmlformats.org/presentationml/2006/main">
   <p:cSld>
     <p:spTree>
@@ -31372,7 +31550,7 @@
             </a:pPr>
             <a:fld id="{00000000-1234-1234-1234-123412341234}" type="slidenum">
               <a:rPr lang="en"/>
-              <a:t>34</a:t>
+              <a:t>35</a:t>
             </a:fld>
             <a:endParaRPr/>
           </a:p>
@@ -31607,7 +31785,7 @@
 </p:sld>
 </file>
 
-<file path=ppt/slides/slide35.xml><?xml version="1.0" encoding="utf-8"?>
+<file path=ppt/slides/slide36.xml><?xml version="1.0" encoding="utf-8"?>
 <p:sld xmlns:a="http://schemas.openxmlformats.org/drawingml/2006/main" xmlns:r="http://schemas.openxmlformats.org/officeDocument/2006/relationships" xmlns:p="http://schemas.openxmlformats.org/presentationml/2006/main">
   <p:cSld>
     <p:spTree>
@@ -32018,7 +32196,7 @@
             </a:pPr>
             <a:fld id="{00000000-1234-1234-1234-123412341234}" type="slidenum">
               <a:rPr lang="en"/>
-              <a:t>35</a:t>
+              <a:t>36</a:t>
             </a:fld>
             <a:endParaRPr/>
           </a:p>
@@ -32175,7 +32353,7 @@
 </p:sld>
 </file>
 
-<file path=ppt/slides/slide36.xml><?xml version="1.0" encoding="utf-8"?>
+<file path=ppt/slides/slide37.xml><?xml version="1.0" encoding="utf-8"?>
 <p:sld xmlns:a="http://schemas.openxmlformats.org/drawingml/2006/main" xmlns:r="http://schemas.openxmlformats.org/officeDocument/2006/relationships" xmlns:p="http://schemas.openxmlformats.org/presentationml/2006/main">
   <p:cSld>
     <p:spTree>
@@ -32639,7 +32817,7 @@
             </a:pPr>
             <a:fld id="{00000000-1234-1234-1234-123412341234}" type="slidenum">
               <a:rPr lang="en"/>
-              <a:t>36</a:t>
+              <a:t>37</a:t>
             </a:fld>
             <a:endParaRPr/>
           </a:p>
@@ -32796,7 +32974,7 @@
 </p:sld>
 </file>
 
-<file path=ppt/slides/slide37.xml><?xml version="1.0" encoding="utf-8"?>
+<file path=ppt/slides/slide38.xml><?xml version="1.0" encoding="utf-8"?>
 <p:sld xmlns:a="http://schemas.openxmlformats.org/drawingml/2006/main" xmlns:r="http://schemas.openxmlformats.org/officeDocument/2006/relationships" xmlns:p="http://schemas.openxmlformats.org/presentationml/2006/main">
   <p:cSld>
     <p:spTree>
@@ -33310,7 +33488,7 @@
             </a:pPr>
             <a:fld id="{00000000-1234-1234-1234-123412341234}" type="slidenum">
               <a:rPr lang="en"/>
-              <a:t>37</a:t>
+              <a:t>38</a:t>
             </a:fld>
             <a:endParaRPr/>
           </a:p>
@@ -33929,7 +34107,7 @@
 </p:sld>
 </file>
 
-<file path=ppt/slides/slide38.xml><?xml version="1.0" encoding="utf-8"?>
+<file path=ppt/slides/slide39.xml><?xml version="1.0" encoding="utf-8"?>
 <p:sld xmlns:a="http://schemas.openxmlformats.org/drawingml/2006/main" xmlns:r="http://schemas.openxmlformats.org/officeDocument/2006/relationships" xmlns:p="http://schemas.openxmlformats.org/presentationml/2006/main">
   <p:cSld>
     <p:spTree>
@@ -34412,7 +34590,7 @@
             </a:pPr>
             <a:fld id="{00000000-1234-1234-1234-123412341234}" type="slidenum">
               <a:rPr lang="en"/>
-              <a:t>38</a:t>
+              <a:t>39</a:t>
             </a:fld>
             <a:endParaRPr/>
           </a:p>
@@ -34946,487 +35124,6 @@
 </p:sld>
 </file>
 
-<file path=ppt/slides/slide39.xml><?xml version="1.0" encoding="utf-8"?>
-<p:sld xmlns:a="http://schemas.openxmlformats.org/drawingml/2006/main" xmlns:r="http://schemas.openxmlformats.org/officeDocument/2006/relationships" xmlns:p="http://schemas.openxmlformats.org/presentationml/2006/main">
-  <p:cSld>
-    <p:spTree>
-      <p:nvGrpSpPr>
-        <p:cNvPr id="1" name="Shape 398"/>
-        <p:cNvGrpSpPr/>
-        <p:nvPr/>
-      </p:nvGrpSpPr>
-      <p:grpSpPr>
-        <a:xfrm>
-          <a:off x="0" y="0"/>
-          <a:ext cx="0" cy="0"/>
-          <a:chOff x="0" y="0"/>
-          <a:chExt cx="0" cy="0"/>
-        </a:xfrm>
-      </p:grpSpPr>
-      <p:sp>
-        <p:nvSpPr>
-          <p:cNvPr id="399" name="Google Shape;399;p47"/>
-          <p:cNvSpPr txBox="1">
-            <a:spLocks noGrp="1"/>
-          </p:cNvSpPr>
-          <p:nvPr>
-            <p:ph type="title"/>
-          </p:nvPr>
-        </p:nvSpPr>
-        <p:spPr>
-          <a:xfrm>
-            <a:off x="311700" y="247025"/>
-            <a:ext cx="8657700" cy="572700"/>
-          </a:xfrm>
-          <a:prstGeom prst="rect">
-            <a:avLst/>
-          </a:prstGeom>
-        </p:spPr>
-        <p:txBody>
-          <a:bodyPr spcFirstLastPara="1" wrap="square" lIns="91425" tIns="91425" rIns="91425" bIns="91425" anchor="b" anchorCtr="0">
-            <a:noAutofit/>
-          </a:bodyPr>
-          <a:lstStyle/>
-          <a:p>
-            <a:pPr marL="0" lvl="0" indent="0" algn="l" rtl="0">
-              <a:spcBef>
-                <a:spcPts val="0"/>
-              </a:spcBef>
-              <a:spcAft>
-                <a:spcPts val="0"/>
-              </a:spcAft>
-              <a:buClr>
-                <a:schemeClr val="dk1"/>
-              </a:buClr>
-              <a:buSzPts val="1100"/>
-              <a:buFont typeface="Arial"/>
-              <a:buNone/>
-            </a:pPr>
-            <a:r>
-              <a:rPr lang="en"/>
-              <a:t>repeat loops</a:t>
-            </a:r>
-            <a:endParaRPr>
-              <a:solidFill>
-                <a:srgbClr val="FFFFFF"/>
-              </a:solidFill>
-            </a:endParaRPr>
-          </a:p>
-        </p:txBody>
-      </p:sp>
-      <p:sp>
-        <p:nvSpPr>
-          <p:cNvPr id="400" name="Google Shape;400;p47"/>
-          <p:cNvSpPr txBox="1">
-            <a:spLocks noGrp="1"/>
-          </p:cNvSpPr>
-          <p:nvPr>
-            <p:ph type="body" idx="1"/>
-          </p:nvPr>
-        </p:nvSpPr>
-        <p:spPr>
-          <a:xfrm>
-            <a:off x="311700" y="1627125"/>
-            <a:ext cx="8398800" cy="1134600"/>
-          </a:xfrm>
-          <a:prstGeom prst="rect">
-            <a:avLst/>
-          </a:prstGeom>
-        </p:spPr>
-        <p:txBody>
-          <a:bodyPr spcFirstLastPara="1" wrap="square" lIns="91425" tIns="91425" rIns="91425" bIns="91425" anchor="t" anchorCtr="0">
-            <a:noAutofit/>
-          </a:bodyPr>
-          <a:lstStyle/>
-          <a:p>
-            <a:pPr marL="0" lvl="0" indent="0" algn="l" rtl="0">
-              <a:lnSpc>
-                <a:spcPct val="100000"/>
-              </a:lnSpc>
-              <a:spcBef>
-                <a:spcPts val="0"/>
-              </a:spcBef>
-              <a:spcAft>
-                <a:spcPts val="0"/>
-              </a:spcAft>
-              <a:buNone/>
-            </a:pPr>
-            <a:r>
-              <a:rPr lang="en" sz="1800" b="1">
-                <a:solidFill>
-                  <a:srgbClr val="37474F"/>
-                </a:solidFill>
-                <a:latin typeface="Consolas"/>
-                <a:ea typeface="Consolas"/>
-                <a:cs typeface="Consolas"/>
-                <a:sym typeface="Consolas"/>
-              </a:rPr>
-              <a:t>repeat(</a:t>
-            </a:r>
-            <a:r>
-              <a:rPr lang="en" sz="1800" b="1">
-                <a:solidFill>
-                  <a:srgbClr val="C53929"/>
-                </a:solidFill>
-                <a:latin typeface="Consolas"/>
-                <a:ea typeface="Consolas"/>
-                <a:cs typeface="Consolas"/>
-                <a:sym typeface="Consolas"/>
-              </a:rPr>
-              <a:t>2</a:t>
-            </a:r>
-            <a:r>
-              <a:rPr lang="en" sz="1800" b="1">
-                <a:solidFill>
-                  <a:srgbClr val="37474F"/>
-                </a:solidFill>
-                <a:latin typeface="Consolas"/>
-                <a:ea typeface="Consolas"/>
-                <a:cs typeface="Consolas"/>
-                <a:sym typeface="Consolas"/>
-              </a:rPr>
-              <a:t>)</a:t>
-            </a:r>
-            <a:r>
-              <a:rPr lang="en" sz="1800">
-                <a:solidFill>
-                  <a:srgbClr val="37474F"/>
-                </a:solidFill>
-                <a:latin typeface="Consolas"/>
-                <a:ea typeface="Consolas"/>
-                <a:cs typeface="Consolas"/>
-                <a:sym typeface="Consolas"/>
-              </a:rPr>
-              <a:t> {</a:t>
-            </a:r>
-            <a:endParaRPr sz="1800">
-              <a:solidFill>
-                <a:srgbClr val="37474F"/>
-              </a:solidFill>
-              <a:latin typeface="Consolas"/>
-              <a:ea typeface="Consolas"/>
-              <a:cs typeface="Consolas"/>
-              <a:sym typeface="Consolas"/>
-            </a:endParaRPr>
-          </a:p>
-          <a:p>
-            <a:pPr marL="0" lvl="0" indent="0" algn="l" rtl="0">
-              <a:lnSpc>
-                <a:spcPct val="100000"/>
-              </a:lnSpc>
-              <a:spcBef>
-                <a:spcPts val="0"/>
-              </a:spcBef>
-              <a:spcAft>
-                <a:spcPts val="0"/>
-              </a:spcAft>
-              <a:buNone/>
-            </a:pPr>
-            <a:r>
-              <a:rPr lang="en" sz="1800">
-                <a:solidFill>
-                  <a:srgbClr val="37474F"/>
-                </a:solidFill>
-                <a:latin typeface="Consolas"/>
-                <a:ea typeface="Consolas"/>
-                <a:cs typeface="Consolas"/>
-                <a:sym typeface="Consolas"/>
-              </a:rPr>
-              <a:t>     print(</a:t>
-            </a:r>
-            <a:r>
-              <a:rPr lang="en" sz="1800">
-                <a:solidFill>
-                  <a:srgbClr val="388E3C"/>
-                </a:solidFill>
-                <a:latin typeface="Consolas"/>
-                <a:ea typeface="Consolas"/>
-                <a:cs typeface="Consolas"/>
-                <a:sym typeface="Consolas"/>
-              </a:rPr>
-              <a:t>"Hello!"</a:t>
-            </a:r>
-            <a:r>
-              <a:rPr lang="en" sz="1800">
-                <a:solidFill>
-                  <a:srgbClr val="37474F"/>
-                </a:solidFill>
-                <a:latin typeface="Consolas"/>
-                <a:ea typeface="Consolas"/>
-                <a:cs typeface="Consolas"/>
-                <a:sym typeface="Consolas"/>
-              </a:rPr>
-              <a:t>)</a:t>
-            </a:r>
-            <a:endParaRPr sz="1800">
-              <a:solidFill>
-                <a:srgbClr val="37474F"/>
-              </a:solidFill>
-              <a:latin typeface="Consolas"/>
-              <a:ea typeface="Consolas"/>
-              <a:cs typeface="Consolas"/>
-              <a:sym typeface="Consolas"/>
-            </a:endParaRPr>
-          </a:p>
-          <a:p>
-            <a:pPr marL="0" lvl="0" indent="0" algn="l" rtl="0">
-              <a:lnSpc>
-                <a:spcPct val="150000"/>
-              </a:lnSpc>
-              <a:spcBef>
-                <a:spcPts val="0"/>
-              </a:spcBef>
-              <a:spcAft>
-                <a:spcPts val="0"/>
-              </a:spcAft>
-              <a:buNone/>
-            </a:pPr>
-            <a:r>
-              <a:rPr lang="en" sz="1800">
-                <a:solidFill>
-                  <a:srgbClr val="37474F"/>
-                </a:solidFill>
-                <a:latin typeface="Consolas"/>
-                <a:ea typeface="Consolas"/>
-                <a:cs typeface="Consolas"/>
-                <a:sym typeface="Consolas"/>
-              </a:rPr>
-              <a:t>}</a:t>
-            </a:r>
-            <a:endParaRPr sz="1800">
-              <a:latin typeface="Consolas"/>
-              <a:ea typeface="Consolas"/>
-              <a:cs typeface="Consolas"/>
-              <a:sym typeface="Consolas"/>
-            </a:endParaRPr>
-          </a:p>
-          <a:p>
-            <a:pPr marL="0" lvl="0" indent="0" algn="l" rtl="0">
-              <a:lnSpc>
-                <a:spcPct val="115000"/>
-              </a:lnSpc>
-              <a:spcBef>
-                <a:spcPts val="0"/>
-              </a:spcBef>
-              <a:spcAft>
-                <a:spcPts val="0"/>
-              </a:spcAft>
-              <a:buNone/>
-            </a:pPr>
-            <a:endParaRPr sz="1800">
-              <a:solidFill>
-                <a:schemeClr val="dk1"/>
-              </a:solidFill>
-              <a:latin typeface="Consolas"/>
-              <a:ea typeface="Consolas"/>
-              <a:cs typeface="Consolas"/>
-              <a:sym typeface="Consolas"/>
-            </a:endParaRPr>
-          </a:p>
-          <a:p>
-            <a:pPr marL="0" lvl="0" indent="0" algn="l" rtl="0">
-              <a:lnSpc>
-                <a:spcPct val="115000"/>
-              </a:lnSpc>
-              <a:spcBef>
-                <a:spcPts val="600"/>
-              </a:spcBef>
-              <a:spcAft>
-                <a:spcPts val="0"/>
-              </a:spcAft>
-              <a:buNone/>
-            </a:pPr>
-            <a:endParaRPr sz="1800">
-              <a:solidFill>
-                <a:schemeClr val="dk1"/>
-              </a:solidFill>
-              <a:latin typeface="Consolas"/>
-              <a:ea typeface="Consolas"/>
-              <a:cs typeface="Consolas"/>
-              <a:sym typeface="Consolas"/>
-            </a:endParaRPr>
-          </a:p>
-          <a:p>
-            <a:pPr marL="457200" lvl="0" indent="0" algn="l" rtl="0">
-              <a:lnSpc>
-                <a:spcPct val="115000"/>
-              </a:lnSpc>
-              <a:spcBef>
-                <a:spcPts val="600"/>
-              </a:spcBef>
-              <a:spcAft>
-                <a:spcPts val="0"/>
-              </a:spcAft>
-              <a:buNone/>
-            </a:pPr>
-            <a:endParaRPr sz="1800">
-              <a:solidFill>
-                <a:schemeClr val="dk1"/>
-              </a:solidFill>
-              <a:latin typeface="Consolas"/>
-              <a:ea typeface="Consolas"/>
-              <a:cs typeface="Consolas"/>
-              <a:sym typeface="Consolas"/>
-            </a:endParaRPr>
-          </a:p>
-          <a:p>
-            <a:pPr marL="457200" lvl="0" indent="0" algn="l" rtl="0">
-              <a:lnSpc>
-                <a:spcPct val="115000"/>
-              </a:lnSpc>
-              <a:spcBef>
-                <a:spcPts val="600"/>
-              </a:spcBef>
-              <a:spcAft>
-                <a:spcPts val="600"/>
-              </a:spcAft>
-              <a:buNone/>
-            </a:pPr>
-            <a:endParaRPr sz="1800">
-              <a:solidFill>
-                <a:schemeClr val="dk1"/>
-              </a:solidFill>
-              <a:highlight>
-                <a:srgbClr val="FFFFFF"/>
-              </a:highlight>
-              <a:latin typeface="Consolas"/>
-              <a:ea typeface="Consolas"/>
-              <a:cs typeface="Consolas"/>
-              <a:sym typeface="Consolas"/>
-            </a:endParaRPr>
-          </a:p>
-        </p:txBody>
-      </p:sp>
-      <p:sp>
-        <p:nvSpPr>
-          <p:cNvPr id="401" name="Google Shape;401;p47"/>
-          <p:cNvSpPr txBox="1">
-            <a:spLocks noGrp="1"/>
-          </p:cNvSpPr>
-          <p:nvPr>
-            <p:ph type="sldNum" idx="12"/>
-          </p:nvPr>
-        </p:nvSpPr>
-        <p:spPr>
-          <a:xfrm>
-            <a:off x="8548658" y="4739417"/>
-            <a:ext cx="548700" cy="393600"/>
-          </a:xfrm>
-          <a:prstGeom prst="rect">
-            <a:avLst/>
-          </a:prstGeom>
-        </p:spPr>
-        <p:txBody>
-          <a:bodyPr spcFirstLastPara="1" wrap="square" lIns="91425" tIns="91425" rIns="91425" bIns="91425" anchor="ctr" anchorCtr="0">
-            <a:noAutofit/>
-          </a:bodyPr>
-          <a:lstStyle/>
-          <a:p>
-            <a:pPr marL="0" lvl="0" indent="0" algn="r" rtl="0">
-              <a:spcBef>
-                <a:spcPts val="0"/>
-              </a:spcBef>
-              <a:spcAft>
-                <a:spcPts val="0"/>
-              </a:spcAft>
-              <a:buNone/>
-            </a:pPr>
-            <a:fld id="{00000000-1234-1234-1234-123412341234}" type="slidenum">
-              <a:rPr lang="en"/>
-              <a:t>39</a:t>
-            </a:fld>
-            <a:endParaRPr/>
-          </a:p>
-        </p:txBody>
-      </p:sp>
-      <p:sp>
-        <p:nvSpPr>
-          <p:cNvPr id="402" name="Google Shape;402;p47"/>
-          <p:cNvSpPr txBox="1"/>
-          <p:nvPr/>
-        </p:nvSpPr>
-        <p:spPr>
-          <a:xfrm>
-            <a:off x="311700" y="2740050"/>
-            <a:ext cx="6779700" cy="736500"/>
-          </a:xfrm>
-          <a:prstGeom prst="rect">
-            <a:avLst/>
-          </a:prstGeom>
-          <a:noFill/>
-          <a:ln>
-            <a:noFill/>
-          </a:ln>
-        </p:spPr>
-        <p:txBody>
-          <a:bodyPr spcFirstLastPara="1" wrap="square" lIns="91425" tIns="91425" rIns="91425" bIns="91425" anchor="t" anchorCtr="0">
-            <a:noAutofit/>
-          </a:bodyPr>
-          <a:lstStyle/>
-          <a:p>
-            <a:pPr marL="0" lvl="0" indent="0" algn="l" rtl="0">
-              <a:spcBef>
-                <a:spcPts val="0"/>
-              </a:spcBef>
-              <a:spcAft>
-                <a:spcPts val="0"/>
-              </a:spcAft>
-              <a:buClr>
-                <a:schemeClr val="dk1"/>
-              </a:buClr>
-              <a:buSzPts val="1100"/>
-              <a:buFont typeface="Arial"/>
-              <a:buNone/>
-            </a:pPr>
-            <a:r>
-              <a:rPr lang="en" sz="1800">
-                <a:solidFill>
-                  <a:srgbClr val="1155CC"/>
-                </a:solidFill>
-                <a:latin typeface="Consolas"/>
-                <a:ea typeface="Consolas"/>
-                <a:cs typeface="Consolas"/>
-                <a:sym typeface="Consolas"/>
-              </a:rPr>
-              <a:t>⇒ Hello!Hello!</a:t>
-            </a:r>
-            <a:endParaRPr sz="1800">
-              <a:solidFill>
-                <a:srgbClr val="1155CC"/>
-              </a:solidFill>
-              <a:latin typeface="Consolas"/>
-              <a:ea typeface="Consolas"/>
-              <a:cs typeface="Consolas"/>
-              <a:sym typeface="Consolas"/>
-            </a:endParaRPr>
-          </a:p>
-          <a:p>
-            <a:pPr marL="0" lvl="0" indent="0" algn="l" rtl="0">
-              <a:spcBef>
-                <a:spcPts val="0"/>
-              </a:spcBef>
-              <a:spcAft>
-                <a:spcPts val="0"/>
-              </a:spcAft>
-              <a:buNone/>
-            </a:pPr>
-            <a:endParaRPr sz="1800">
-              <a:latin typeface="Consolas"/>
-              <a:ea typeface="Consolas"/>
-              <a:cs typeface="Consolas"/>
-              <a:sym typeface="Consolas"/>
-            </a:endParaRPr>
-          </a:p>
-        </p:txBody>
-      </p:sp>
-    </p:spTree>
-  </p:cSld>
-  <p:clrMapOvr>
-    <a:masterClrMapping/>
-  </p:clrMapOvr>
-</p:sld>
-</file>
-
 <file path=ppt/slides/slide4.xml><?xml version="1.0" encoding="utf-8"?>
 <p:sld xmlns:a="http://schemas.openxmlformats.org/drawingml/2006/main" xmlns:r="http://schemas.openxmlformats.org/officeDocument/2006/relationships" xmlns:p="http://schemas.openxmlformats.org/presentationml/2006/main">
   <p:cSld>
@@ -35593,6 +35290,487 @@
   <p:cSld>
     <p:spTree>
       <p:nvGrpSpPr>
+        <p:cNvPr id="1" name="Shape 398"/>
+        <p:cNvGrpSpPr/>
+        <p:nvPr/>
+      </p:nvGrpSpPr>
+      <p:grpSpPr>
+        <a:xfrm>
+          <a:off x="0" y="0"/>
+          <a:ext cx="0" cy="0"/>
+          <a:chOff x="0" y="0"/>
+          <a:chExt cx="0" cy="0"/>
+        </a:xfrm>
+      </p:grpSpPr>
+      <p:sp>
+        <p:nvSpPr>
+          <p:cNvPr id="399" name="Google Shape;399;p47"/>
+          <p:cNvSpPr txBox="1">
+            <a:spLocks noGrp="1"/>
+          </p:cNvSpPr>
+          <p:nvPr>
+            <p:ph type="title"/>
+          </p:nvPr>
+        </p:nvSpPr>
+        <p:spPr>
+          <a:xfrm>
+            <a:off x="311700" y="247025"/>
+            <a:ext cx="8657700" cy="572700"/>
+          </a:xfrm>
+          <a:prstGeom prst="rect">
+            <a:avLst/>
+          </a:prstGeom>
+        </p:spPr>
+        <p:txBody>
+          <a:bodyPr spcFirstLastPara="1" wrap="square" lIns="91425" tIns="91425" rIns="91425" bIns="91425" anchor="b" anchorCtr="0">
+            <a:noAutofit/>
+          </a:bodyPr>
+          <a:lstStyle/>
+          <a:p>
+            <a:pPr marL="0" lvl="0" indent="0" algn="l" rtl="0">
+              <a:spcBef>
+                <a:spcPts val="0"/>
+              </a:spcBef>
+              <a:spcAft>
+                <a:spcPts val="0"/>
+              </a:spcAft>
+              <a:buClr>
+                <a:schemeClr val="dk1"/>
+              </a:buClr>
+              <a:buSzPts val="1100"/>
+              <a:buFont typeface="Arial"/>
+              <a:buNone/>
+            </a:pPr>
+            <a:r>
+              <a:rPr lang="en"/>
+              <a:t>repeat loops</a:t>
+            </a:r>
+            <a:endParaRPr>
+              <a:solidFill>
+                <a:srgbClr val="FFFFFF"/>
+              </a:solidFill>
+            </a:endParaRPr>
+          </a:p>
+        </p:txBody>
+      </p:sp>
+      <p:sp>
+        <p:nvSpPr>
+          <p:cNvPr id="400" name="Google Shape;400;p47"/>
+          <p:cNvSpPr txBox="1">
+            <a:spLocks noGrp="1"/>
+          </p:cNvSpPr>
+          <p:nvPr>
+            <p:ph type="body" idx="1"/>
+          </p:nvPr>
+        </p:nvSpPr>
+        <p:spPr>
+          <a:xfrm>
+            <a:off x="311700" y="1627125"/>
+            <a:ext cx="8398800" cy="1134600"/>
+          </a:xfrm>
+          <a:prstGeom prst="rect">
+            <a:avLst/>
+          </a:prstGeom>
+        </p:spPr>
+        <p:txBody>
+          <a:bodyPr spcFirstLastPara="1" wrap="square" lIns="91425" tIns="91425" rIns="91425" bIns="91425" anchor="t" anchorCtr="0">
+            <a:noAutofit/>
+          </a:bodyPr>
+          <a:lstStyle/>
+          <a:p>
+            <a:pPr marL="0" lvl="0" indent="0" algn="l" rtl="0">
+              <a:lnSpc>
+                <a:spcPct val="100000"/>
+              </a:lnSpc>
+              <a:spcBef>
+                <a:spcPts val="0"/>
+              </a:spcBef>
+              <a:spcAft>
+                <a:spcPts val="0"/>
+              </a:spcAft>
+              <a:buNone/>
+            </a:pPr>
+            <a:r>
+              <a:rPr lang="en" sz="1800" b="1">
+                <a:solidFill>
+                  <a:srgbClr val="37474F"/>
+                </a:solidFill>
+                <a:latin typeface="Consolas"/>
+                <a:ea typeface="Consolas"/>
+                <a:cs typeface="Consolas"/>
+                <a:sym typeface="Consolas"/>
+              </a:rPr>
+              <a:t>repeat(</a:t>
+            </a:r>
+            <a:r>
+              <a:rPr lang="en" sz="1800" b="1">
+                <a:solidFill>
+                  <a:srgbClr val="C53929"/>
+                </a:solidFill>
+                <a:latin typeface="Consolas"/>
+                <a:ea typeface="Consolas"/>
+                <a:cs typeface="Consolas"/>
+                <a:sym typeface="Consolas"/>
+              </a:rPr>
+              <a:t>2</a:t>
+            </a:r>
+            <a:r>
+              <a:rPr lang="en" sz="1800" b="1">
+                <a:solidFill>
+                  <a:srgbClr val="37474F"/>
+                </a:solidFill>
+                <a:latin typeface="Consolas"/>
+                <a:ea typeface="Consolas"/>
+                <a:cs typeface="Consolas"/>
+                <a:sym typeface="Consolas"/>
+              </a:rPr>
+              <a:t>)</a:t>
+            </a:r>
+            <a:r>
+              <a:rPr lang="en" sz="1800">
+                <a:solidFill>
+                  <a:srgbClr val="37474F"/>
+                </a:solidFill>
+                <a:latin typeface="Consolas"/>
+                <a:ea typeface="Consolas"/>
+                <a:cs typeface="Consolas"/>
+                <a:sym typeface="Consolas"/>
+              </a:rPr>
+              <a:t> {</a:t>
+            </a:r>
+            <a:endParaRPr sz="1800">
+              <a:solidFill>
+                <a:srgbClr val="37474F"/>
+              </a:solidFill>
+              <a:latin typeface="Consolas"/>
+              <a:ea typeface="Consolas"/>
+              <a:cs typeface="Consolas"/>
+              <a:sym typeface="Consolas"/>
+            </a:endParaRPr>
+          </a:p>
+          <a:p>
+            <a:pPr marL="0" lvl="0" indent="0" algn="l" rtl="0">
+              <a:lnSpc>
+                <a:spcPct val="100000"/>
+              </a:lnSpc>
+              <a:spcBef>
+                <a:spcPts val="0"/>
+              </a:spcBef>
+              <a:spcAft>
+                <a:spcPts val="0"/>
+              </a:spcAft>
+              <a:buNone/>
+            </a:pPr>
+            <a:r>
+              <a:rPr lang="en" sz="1800">
+                <a:solidFill>
+                  <a:srgbClr val="37474F"/>
+                </a:solidFill>
+                <a:latin typeface="Consolas"/>
+                <a:ea typeface="Consolas"/>
+                <a:cs typeface="Consolas"/>
+                <a:sym typeface="Consolas"/>
+              </a:rPr>
+              <a:t>     print(</a:t>
+            </a:r>
+            <a:r>
+              <a:rPr lang="en" sz="1800">
+                <a:solidFill>
+                  <a:srgbClr val="388E3C"/>
+                </a:solidFill>
+                <a:latin typeface="Consolas"/>
+                <a:ea typeface="Consolas"/>
+                <a:cs typeface="Consolas"/>
+                <a:sym typeface="Consolas"/>
+              </a:rPr>
+              <a:t>"Hello!"</a:t>
+            </a:r>
+            <a:r>
+              <a:rPr lang="en" sz="1800">
+                <a:solidFill>
+                  <a:srgbClr val="37474F"/>
+                </a:solidFill>
+                <a:latin typeface="Consolas"/>
+                <a:ea typeface="Consolas"/>
+                <a:cs typeface="Consolas"/>
+                <a:sym typeface="Consolas"/>
+              </a:rPr>
+              <a:t>)</a:t>
+            </a:r>
+            <a:endParaRPr sz="1800">
+              <a:solidFill>
+                <a:srgbClr val="37474F"/>
+              </a:solidFill>
+              <a:latin typeface="Consolas"/>
+              <a:ea typeface="Consolas"/>
+              <a:cs typeface="Consolas"/>
+              <a:sym typeface="Consolas"/>
+            </a:endParaRPr>
+          </a:p>
+          <a:p>
+            <a:pPr marL="0" lvl="0" indent="0" algn="l" rtl="0">
+              <a:lnSpc>
+                <a:spcPct val="150000"/>
+              </a:lnSpc>
+              <a:spcBef>
+                <a:spcPts val="0"/>
+              </a:spcBef>
+              <a:spcAft>
+                <a:spcPts val="0"/>
+              </a:spcAft>
+              <a:buNone/>
+            </a:pPr>
+            <a:r>
+              <a:rPr lang="en" sz="1800">
+                <a:solidFill>
+                  <a:srgbClr val="37474F"/>
+                </a:solidFill>
+                <a:latin typeface="Consolas"/>
+                <a:ea typeface="Consolas"/>
+                <a:cs typeface="Consolas"/>
+                <a:sym typeface="Consolas"/>
+              </a:rPr>
+              <a:t>}</a:t>
+            </a:r>
+            <a:endParaRPr sz="1800">
+              <a:latin typeface="Consolas"/>
+              <a:ea typeface="Consolas"/>
+              <a:cs typeface="Consolas"/>
+              <a:sym typeface="Consolas"/>
+            </a:endParaRPr>
+          </a:p>
+          <a:p>
+            <a:pPr marL="0" lvl="0" indent="0" algn="l" rtl="0">
+              <a:lnSpc>
+                <a:spcPct val="115000"/>
+              </a:lnSpc>
+              <a:spcBef>
+                <a:spcPts val="0"/>
+              </a:spcBef>
+              <a:spcAft>
+                <a:spcPts val="0"/>
+              </a:spcAft>
+              <a:buNone/>
+            </a:pPr>
+            <a:endParaRPr sz="1800">
+              <a:solidFill>
+                <a:schemeClr val="dk1"/>
+              </a:solidFill>
+              <a:latin typeface="Consolas"/>
+              <a:ea typeface="Consolas"/>
+              <a:cs typeface="Consolas"/>
+              <a:sym typeface="Consolas"/>
+            </a:endParaRPr>
+          </a:p>
+          <a:p>
+            <a:pPr marL="0" lvl="0" indent="0" algn="l" rtl="0">
+              <a:lnSpc>
+                <a:spcPct val="115000"/>
+              </a:lnSpc>
+              <a:spcBef>
+                <a:spcPts val="600"/>
+              </a:spcBef>
+              <a:spcAft>
+                <a:spcPts val="0"/>
+              </a:spcAft>
+              <a:buNone/>
+            </a:pPr>
+            <a:endParaRPr sz="1800">
+              <a:solidFill>
+                <a:schemeClr val="dk1"/>
+              </a:solidFill>
+              <a:latin typeface="Consolas"/>
+              <a:ea typeface="Consolas"/>
+              <a:cs typeface="Consolas"/>
+              <a:sym typeface="Consolas"/>
+            </a:endParaRPr>
+          </a:p>
+          <a:p>
+            <a:pPr marL="457200" lvl="0" indent="0" algn="l" rtl="0">
+              <a:lnSpc>
+                <a:spcPct val="115000"/>
+              </a:lnSpc>
+              <a:spcBef>
+                <a:spcPts val="600"/>
+              </a:spcBef>
+              <a:spcAft>
+                <a:spcPts val="0"/>
+              </a:spcAft>
+              <a:buNone/>
+            </a:pPr>
+            <a:endParaRPr sz="1800">
+              <a:solidFill>
+                <a:schemeClr val="dk1"/>
+              </a:solidFill>
+              <a:latin typeface="Consolas"/>
+              <a:ea typeface="Consolas"/>
+              <a:cs typeface="Consolas"/>
+              <a:sym typeface="Consolas"/>
+            </a:endParaRPr>
+          </a:p>
+          <a:p>
+            <a:pPr marL="457200" lvl="0" indent="0" algn="l" rtl="0">
+              <a:lnSpc>
+                <a:spcPct val="115000"/>
+              </a:lnSpc>
+              <a:spcBef>
+                <a:spcPts val="600"/>
+              </a:spcBef>
+              <a:spcAft>
+                <a:spcPts val="600"/>
+              </a:spcAft>
+              <a:buNone/>
+            </a:pPr>
+            <a:endParaRPr sz="1800">
+              <a:solidFill>
+                <a:schemeClr val="dk1"/>
+              </a:solidFill>
+              <a:highlight>
+                <a:srgbClr val="FFFFFF"/>
+              </a:highlight>
+              <a:latin typeface="Consolas"/>
+              <a:ea typeface="Consolas"/>
+              <a:cs typeface="Consolas"/>
+              <a:sym typeface="Consolas"/>
+            </a:endParaRPr>
+          </a:p>
+        </p:txBody>
+      </p:sp>
+      <p:sp>
+        <p:nvSpPr>
+          <p:cNvPr id="401" name="Google Shape;401;p47"/>
+          <p:cNvSpPr txBox="1">
+            <a:spLocks noGrp="1"/>
+          </p:cNvSpPr>
+          <p:nvPr>
+            <p:ph type="sldNum" idx="12"/>
+          </p:nvPr>
+        </p:nvSpPr>
+        <p:spPr>
+          <a:xfrm>
+            <a:off x="8548658" y="4739417"/>
+            <a:ext cx="548700" cy="393600"/>
+          </a:xfrm>
+          <a:prstGeom prst="rect">
+            <a:avLst/>
+          </a:prstGeom>
+        </p:spPr>
+        <p:txBody>
+          <a:bodyPr spcFirstLastPara="1" wrap="square" lIns="91425" tIns="91425" rIns="91425" bIns="91425" anchor="ctr" anchorCtr="0">
+            <a:noAutofit/>
+          </a:bodyPr>
+          <a:lstStyle/>
+          <a:p>
+            <a:pPr marL="0" lvl="0" indent="0" algn="r" rtl="0">
+              <a:spcBef>
+                <a:spcPts val="0"/>
+              </a:spcBef>
+              <a:spcAft>
+                <a:spcPts val="0"/>
+              </a:spcAft>
+              <a:buNone/>
+            </a:pPr>
+            <a:fld id="{00000000-1234-1234-1234-123412341234}" type="slidenum">
+              <a:rPr lang="en"/>
+              <a:t>40</a:t>
+            </a:fld>
+            <a:endParaRPr/>
+          </a:p>
+        </p:txBody>
+      </p:sp>
+      <p:sp>
+        <p:nvSpPr>
+          <p:cNvPr id="402" name="Google Shape;402;p47"/>
+          <p:cNvSpPr txBox="1"/>
+          <p:nvPr/>
+        </p:nvSpPr>
+        <p:spPr>
+          <a:xfrm>
+            <a:off x="311700" y="2740050"/>
+            <a:ext cx="6779700" cy="736500"/>
+          </a:xfrm>
+          <a:prstGeom prst="rect">
+            <a:avLst/>
+          </a:prstGeom>
+          <a:noFill/>
+          <a:ln>
+            <a:noFill/>
+          </a:ln>
+        </p:spPr>
+        <p:txBody>
+          <a:bodyPr spcFirstLastPara="1" wrap="square" lIns="91425" tIns="91425" rIns="91425" bIns="91425" anchor="t" anchorCtr="0">
+            <a:noAutofit/>
+          </a:bodyPr>
+          <a:lstStyle/>
+          <a:p>
+            <a:pPr marL="0" lvl="0" indent="0" algn="l" rtl="0">
+              <a:spcBef>
+                <a:spcPts val="0"/>
+              </a:spcBef>
+              <a:spcAft>
+                <a:spcPts val="0"/>
+              </a:spcAft>
+              <a:buClr>
+                <a:schemeClr val="dk1"/>
+              </a:buClr>
+              <a:buSzPts val="1100"/>
+              <a:buFont typeface="Arial"/>
+              <a:buNone/>
+            </a:pPr>
+            <a:r>
+              <a:rPr lang="en" sz="1800">
+                <a:solidFill>
+                  <a:srgbClr val="1155CC"/>
+                </a:solidFill>
+                <a:latin typeface="Consolas"/>
+                <a:ea typeface="Consolas"/>
+                <a:cs typeface="Consolas"/>
+                <a:sym typeface="Consolas"/>
+              </a:rPr>
+              <a:t>⇒ Hello!Hello!</a:t>
+            </a:r>
+            <a:endParaRPr sz="1800">
+              <a:solidFill>
+                <a:srgbClr val="1155CC"/>
+              </a:solidFill>
+              <a:latin typeface="Consolas"/>
+              <a:ea typeface="Consolas"/>
+              <a:cs typeface="Consolas"/>
+              <a:sym typeface="Consolas"/>
+            </a:endParaRPr>
+          </a:p>
+          <a:p>
+            <a:pPr marL="0" lvl="0" indent="0" algn="l" rtl="0">
+              <a:spcBef>
+                <a:spcPts val="0"/>
+              </a:spcBef>
+              <a:spcAft>
+                <a:spcPts val="0"/>
+              </a:spcAft>
+              <a:buNone/>
+            </a:pPr>
+            <a:endParaRPr sz="1800">
+              <a:latin typeface="Consolas"/>
+              <a:ea typeface="Consolas"/>
+              <a:cs typeface="Consolas"/>
+              <a:sym typeface="Consolas"/>
+            </a:endParaRPr>
+          </a:p>
+        </p:txBody>
+      </p:sp>
+    </p:spTree>
+  </p:cSld>
+  <p:clrMapOvr>
+    <a:masterClrMapping/>
+  </p:clrMapOvr>
+</p:sld>
+</file>
+
+<file path=ppt/slides/slide41.xml><?xml version="1.0" encoding="utf-8"?>
+<p:sld xmlns:a="http://schemas.openxmlformats.org/drawingml/2006/main" xmlns:r="http://schemas.openxmlformats.org/officeDocument/2006/relationships" xmlns:p="http://schemas.openxmlformats.org/presentationml/2006/main">
+  <p:cSld>
+    <p:spTree>
+      <p:nvGrpSpPr>
         <p:cNvPr id="1" name="Shape 406"/>
         <p:cNvGrpSpPr/>
         <p:nvPr/>
@@ -35683,7 +35861,7 @@
             </a:pPr>
             <a:fld id="{00000000-1234-1234-1234-123412341234}" type="slidenum">
               <a:rPr lang="en"/>
-              <a:t>40</a:t>
+              <a:t>41</a:t>
             </a:fld>
             <a:endParaRPr/>
           </a:p>
@@ -35697,7 +35875,7 @@
 </p:sld>
 </file>
 
-<file path=ppt/slides/slide41.xml><?xml version="1.0" encoding="utf-8"?>
+<file path=ppt/slides/slide42.xml><?xml version="1.0" encoding="utf-8"?>
 <p:sld xmlns:a="http://schemas.openxmlformats.org/drawingml/2006/main" xmlns:r="http://schemas.openxmlformats.org/officeDocument/2006/relationships" xmlns:p="http://schemas.openxmlformats.org/presentationml/2006/main">
   <p:cSld>
     <p:spTree>
@@ -35878,7 +36056,7 @@
             </a:pPr>
             <a:fld id="{00000000-1234-1234-1234-123412341234}" type="slidenum">
               <a:rPr lang="en"/>
-              <a:t>41</a:t>
+              <a:t>42</a:t>
             </a:fld>
             <a:endParaRPr/>
           </a:p>
@@ -36078,7 +36256,7 @@
 </p:sld>
 </file>
 
-<file path=ppt/slides/slide42.xml><?xml version="1.0" encoding="utf-8"?>
+<file path=ppt/slides/slide43.xml><?xml version="1.0" encoding="utf-8"?>
 <p:sld xmlns:a="http://schemas.openxmlformats.org/drawingml/2006/main" xmlns:r="http://schemas.openxmlformats.org/officeDocument/2006/relationships" xmlns:p="http://schemas.openxmlformats.org/presentationml/2006/main">
   <p:cSld>
     <p:spTree>
@@ -36371,7 +36549,7 @@
             </a:pPr>
             <a:fld id="{00000000-1234-1234-1234-123412341234}" type="slidenum">
               <a:rPr lang="en"/>
-              <a:t>42</a:t>
+              <a:t>43</a:t>
             </a:fld>
             <a:endParaRPr/>
           </a:p>
@@ -36538,7 +36716,7 @@
 </p:sld>
 </file>
 
-<file path=ppt/slides/slide43.xml><?xml version="1.0" encoding="utf-8"?>
+<file path=ppt/slides/slide44.xml><?xml version="1.0" encoding="utf-8"?>
 <p:sld xmlns:a="http://schemas.openxmlformats.org/drawingml/2006/main" xmlns:r="http://schemas.openxmlformats.org/officeDocument/2006/relationships" xmlns:p="http://schemas.openxmlformats.org/presentationml/2006/main">
   <p:cSld>
     <p:spTree>
@@ -36857,7 +37035,7 @@
             </a:pPr>
             <a:fld id="{00000000-1234-1234-1234-123412341234}" type="slidenum">
               <a:rPr lang="en"/>
-              <a:t>43</a:t>
+              <a:t>44</a:t>
             </a:fld>
             <a:endParaRPr/>
           </a:p>
@@ -37116,7 +37294,7 @@
 </p:sld>
 </file>
 
-<file path=ppt/slides/slide44.xml><?xml version="1.0" encoding="utf-8"?>
+<file path=ppt/slides/slide45.xml><?xml version="1.0" encoding="utf-8"?>
 <p:sld xmlns:a="http://schemas.openxmlformats.org/drawingml/2006/main" xmlns:r="http://schemas.openxmlformats.org/officeDocument/2006/relationships" xmlns:p="http://schemas.openxmlformats.org/presentationml/2006/main">
   <p:cSld>
     <p:spTree>
@@ -37211,7 +37389,7 @@
             </a:pPr>
             <a:fld id="{00000000-1234-1234-1234-123412341234}" type="slidenum">
               <a:rPr lang="en"/>
-              <a:t>44</a:t>
+              <a:t>45</a:t>
             </a:fld>
             <a:endParaRPr/>
           </a:p>
@@ -37225,7 +37403,7 @@
 </p:sld>
 </file>
 
-<file path=ppt/slides/slide45.xml><?xml version="1.0" encoding="utf-8"?>
+<file path=ppt/slides/slide46.xml><?xml version="1.0" encoding="utf-8"?>
 <p:sld xmlns:a="http://schemas.openxmlformats.org/drawingml/2006/main" xmlns:r="http://schemas.openxmlformats.org/officeDocument/2006/relationships" xmlns:p="http://schemas.openxmlformats.org/presentationml/2006/main">
   <p:cSld>
     <p:spTree>
@@ -37278,7 +37456,7 @@
             </a:pPr>
             <a:fld id="{00000000-1234-1234-1234-123412341234}" type="slidenum">
               <a:rPr lang="en"/>
-              <a:t>45</a:t>
+              <a:t>46</a:t>
             </a:fld>
             <a:endParaRPr/>
           </a:p>
@@ -37616,7 +37794,7 @@
 </p:sld>
 </file>
 
-<file path=ppt/slides/slide46.xml><?xml version="1.0" encoding="utf-8"?>
+<file path=ppt/slides/slide47.xml><?xml version="1.0" encoding="utf-8"?>
 <p:sld xmlns:a="http://schemas.openxmlformats.org/drawingml/2006/main" xmlns:r="http://schemas.openxmlformats.org/officeDocument/2006/relationships" xmlns:p="http://schemas.openxmlformats.org/presentationml/2006/main">
   <p:cSld>
     <p:spTree>
@@ -37669,7 +37847,7 @@
             </a:pPr>
             <a:fld id="{00000000-1234-1234-1234-123412341234}" type="slidenum">
               <a:rPr lang="en"/>
-              <a:t>46</a:t>
+              <a:t>47</a:t>
             </a:fld>
             <a:endParaRPr/>
           </a:p>
@@ -38175,7 +38353,7 @@
 </p:sld>
 </file>
 
-<file path=ppt/slides/slide47.xml><?xml version="1.0" encoding="utf-8"?>
+<file path=ppt/slides/slide48.xml><?xml version="1.0" encoding="utf-8"?>
 <p:sld xmlns:a="http://schemas.openxmlformats.org/drawingml/2006/main" xmlns:r="http://schemas.openxmlformats.org/officeDocument/2006/relationships" xmlns:p="http://schemas.openxmlformats.org/presentationml/2006/main">
   <p:cSld>
     <p:spTree>
@@ -38480,7 +38658,7 @@
             </a:pPr>
             <a:fld id="{00000000-1234-1234-1234-123412341234}" type="slidenum">
               <a:rPr lang="en"/>
-              <a:t>47</a:t>
+              <a:t>48</a:t>
             </a:fld>
             <a:endParaRPr/>
           </a:p>
@@ -38686,7 +38864,7 @@
 </p:sld>
 </file>
 
-<file path=ppt/slides/slide48.xml><?xml version="1.0" encoding="utf-8"?>
+<file path=ppt/slides/slide49.xml><?xml version="1.0" encoding="utf-8"?>
 <p:sld xmlns:a="http://schemas.openxmlformats.org/drawingml/2006/main" xmlns:r="http://schemas.openxmlformats.org/officeDocument/2006/relationships" xmlns:p="http://schemas.openxmlformats.org/presentationml/2006/main">
   <p:cSld>
     <p:spTree>
@@ -38872,7 +39050,7 @@
             </a:pPr>
             <a:fld id="{00000000-1234-1234-1234-123412341234}" type="slidenum">
               <a:rPr lang="en"/>
-              <a:t>48</a:t>
+              <a:t>49</a:t>
             </a:fld>
             <a:endParaRPr/>
           </a:p>
@@ -39855,7 +40033,312 @@
 </p:sld>
 </file>
 
-<file path=ppt/slides/slide49.xml><?xml version="1.0" encoding="utf-8"?>
+<file path=ppt/slides/slide5.xml><?xml version="1.0" encoding="utf-8"?>
+<p:sld xmlns:a="http://schemas.openxmlformats.org/drawingml/2006/main" xmlns:r="http://schemas.openxmlformats.org/officeDocument/2006/relationships" xmlns:p="http://schemas.openxmlformats.org/presentationml/2006/main">
+  <p:cSld>
+    <p:spTree>
+      <p:nvGrpSpPr>
+        <p:cNvPr id="1" name="Shape 85"/>
+        <p:cNvGrpSpPr/>
+        <p:nvPr/>
+      </p:nvGrpSpPr>
+      <p:grpSpPr>
+        <a:xfrm>
+          <a:off x="0" y="0"/>
+          <a:ext cx="0" cy="0"/>
+          <a:chOff x="0" y="0"/>
+          <a:chExt cx="0" cy="0"/>
+        </a:xfrm>
+      </p:grpSpPr>
+      <p:sp>
+        <p:nvSpPr>
+          <p:cNvPr id="86" name="Google Shape;86;p13"/>
+          <p:cNvSpPr txBox="1">
+            <a:spLocks noGrp="1"/>
+          </p:cNvSpPr>
+          <p:nvPr>
+            <p:ph type="title"/>
+          </p:nvPr>
+        </p:nvSpPr>
+        <p:spPr>
+          <a:xfrm>
+            <a:off x="311700" y="170820"/>
+            <a:ext cx="8520600" cy="572700"/>
+          </a:xfrm>
+          <a:prstGeom prst="rect">
+            <a:avLst/>
+          </a:prstGeom>
+        </p:spPr>
+        <p:txBody>
+          <a:bodyPr spcFirstLastPara="1" wrap="square" lIns="91425" tIns="91425" rIns="91425" bIns="91425" anchor="t" anchorCtr="0">
+            <a:noAutofit/>
+          </a:bodyPr>
+          <a:lstStyle/>
+          <a:p>
+            <a:pPr marL="0" lvl="0" indent="0" algn="l" rtl="0">
+              <a:spcBef>
+                <a:spcPts val="0"/>
+              </a:spcBef>
+              <a:spcAft>
+                <a:spcPts val="0"/>
+              </a:spcAft>
+              <a:buNone/>
+            </a:pPr>
+            <a:r>
+              <a:rPr lang="en"/>
+              <a:t>Open REPL (Read-Eval-Print-Loop)</a:t>
+            </a:r>
+            <a:endParaRPr/>
+          </a:p>
+        </p:txBody>
+      </p:sp>
+      <p:sp>
+        <p:nvSpPr>
+          <p:cNvPr id="87" name="Google Shape;87;p13"/>
+          <p:cNvSpPr txBox="1">
+            <a:spLocks noGrp="1"/>
+          </p:cNvSpPr>
+          <p:nvPr>
+            <p:ph type="body" idx="1"/>
+          </p:nvPr>
+        </p:nvSpPr>
+        <p:spPr>
+          <a:xfrm>
+            <a:off x="311700" y="923875"/>
+            <a:ext cx="8520600" cy="3862800"/>
+          </a:xfrm>
+          <a:prstGeom prst="rect">
+            <a:avLst/>
+          </a:prstGeom>
+        </p:spPr>
+        <p:txBody>
+          <a:bodyPr spcFirstLastPara="1" wrap="square" lIns="91425" tIns="91425" rIns="91425" bIns="91425" anchor="t" anchorCtr="0">
+            <a:noAutofit/>
+          </a:bodyPr>
+          <a:lstStyle/>
+          <a:p>
+            <a:pPr marL="0" lvl="0" indent="0" algn="l" rtl="0">
+              <a:spcBef>
+                <a:spcPts val="400"/>
+              </a:spcBef>
+              <a:spcAft>
+                <a:spcPts val="0"/>
+              </a:spcAft>
+              <a:buNone/>
+            </a:pPr>
+            <a:endParaRPr sz="1800">
+              <a:solidFill>
+                <a:schemeClr val="dk1"/>
+              </a:solidFill>
+            </a:endParaRPr>
+          </a:p>
+          <a:p>
+            <a:pPr marL="457200" lvl="0" indent="0" algn="l" rtl="0">
+              <a:spcBef>
+                <a:spcPts val="1000"/>
+              </a:spcBef>
+              <a:spcAft>
+                <a:spcPts val="0"/>
+              </a:spcAft>
+              <a:buClr>
+                <a:schemeClr val="dk1"/>
+              </a:buClr>
+              <a:buSzPts val="1100"/>
+              <a:buFont typeface="Arial"/>
+              <a:buNone/>
+            </a:pPr>
+            <a:endParaRPr/>
+          </a:p>
+        </p:txBody>
+      </p:sp>
+      <p:sp>
+        <p:nvSpPr>
+          <p:cNvPr id="88" name="Google Shape;88;p13"/>
+          <p:cNvSpPr txBox="1">
+            <a:spLocks noGrp="1"/>
+          </p:cNvSpPr>
+          <p:nvPr>
+            <p:ph type="sldNum" idx="12"/>
+          </p:nvPr>
+        </p:nvSpPr>
+        <p:spPr>
+          <a:xfrm>
+            <a:off x="8548658" y="4739417"/>
+            <a:ext cx="548700" cy="393600"/>
+          </a:xfrm>
+          <a:prstGeom prst="rect">
+            <a:avLst/>
+          </a:prstGeom>
+        </p:spPr>
+        <p:txBody>
+          <a:bodyPr spcFirstLastPara="1" wrap="square" lIns="91425" tIns="91425" rIns="91425" bIns="91425" anchor="ctr" anchorCtr="0">
+            <a:noAutofit/>
+          </a:bodyPr>
+          <a:lstStyle/>
+          <a:p>
+            <a:pPr marL="0" lvl="0" indent="0" algn="r" rtl="0">
+              <a:spcBef>
+                <a:spcPts val="0"/>
+              </a:spcBef>
+              <a:spcAft>
+                <a:spcPts val="0"/>
+              </a:spcAft>
+              <a:buNone/>
+            </a:pPr>
+            <a:fld id="{00000000-1234-1234-1234-123412341234}" type="slidenum">
+              <a:rPr lang="en"/>
+              <a:t>5</a:t>
+            </a:fld>
+            <a:endParaRPr/>
+          </a:p>
+        </p:txBody>
+      </p:sp>
+      <p:sp>
+        <p:nvSpPr>
+          <p:cNvPr id="89" name="Google Shape;89;p13"/>
+          <p:cNvSpPr txBox="1"/>
+          <p:nvPr/>
+        </p:nvSpPr>
+        <p:spPr>
+          <a:xfrm>
+            <a:off x="6304800" y="2904775"/>
+            <a:ext cx="2325900" cy="1395900"/>
+          </a:xfrm>
+          <a:prstGeom prst="rect">
+            <a:avLst/>
+          </a:prstGeom>
+          <a:solidFill>
+            <a:srgbClr val="D6F0FF"/>
+          </a:solidFill>
+          <a:ln>
+            <a:noFill/>
+          </a:ln>
+        </p:spPr>
+        <p:txBody>
+          <a:bodyPr spcFirstLastPara="1" wrap="square" lIns="91425" tIns="91425" rIns="91425" bIns="91425" anchor="t" anchorCtr="0">
+            <a:noAutofit/>
+          </a:bodyPr>
+          <a:lstStyle/>
+          <a:p>
+            <a:pPr marL="0" lvl="0" indent="0" algn="l" rtl="0">
+              <a:lnSpc>
+                <a:spcPct val="115000"/>
+              </a:lnSpc>
+              <a:spcBef>
+                <a:spcPts val="0"/>
+              </a:spcBef>
+              <a:spcAft>
+                <a:spcPts val="0"/>
+              </a:spcAft>
+              <a:buClr>
+                <a:schemeClr val="dk1"/>
+              </a:buClr>
+              <a:buSzPts val="1100"/>
+              <a:buFont typeface="Arial"/>
+              <a:buNone/>
+            </a:pPr>
+            <a:r>
+              <a:rPr lang="en" sz="1800">
+                <a:solidFill>
+                  <a:srgbClr val="3C4043"/>
+                </a:solidFill>
+                <a:latin typeface="Roboto"/>
+                <a:ea typeface="Roboto"/>
+                <a:cs typeface="Roboto"/>
+                <a:sym typeface="Roboto"/>
+              </a:rPr>
+              <a:t>It may take a few moments before the Kotlin menu appears under </a:t>
+            </a:r>
+            <a:r>
+              <a:rPr lang="en" sz="1800" b="1">
+                <a:solidFill>
+                  <a:srgbClr val="3C4043"/>
+                </a:solidFill>
+                <a:latin typeface="Roboto"/>
+                <a:ea typeface="Roboto"/>
+                <a:cs typeface="Roboto"/>
+                <a:sym typeface="Roboto"/>
+              </a:rPr>
+              <a:t>Tools</a:t>
+            </a:r>
+            <a:r>
+              <a:rPr lang="en" sz="1800">
+                <a:solidFill>
+                  <a:srgbClr val="3C4043"/>
+                </a:solidFill>
+                <a:latin typeface="Roboto"/>
+                <a:ea typeface="Roboto"/>
+                <a:cs typeface="Roboto"/>
+                <a:sym typeface="Roboto"/>
+              </a:rPr>
+              <a:t>.</a:t>
+            </a:r>
+            <a:endParaRPr sz="1800">
+              <a:solidFill>
+                <a:srgbClr val="3C4043"/>
+              </a:solidFill>
+              <a:latin typeface="Roboto"/>
+              <a:ea typeface="Roboto"/>
+              <a:cs typeface="Roboto"/>
+              <a:sym typeface="Roboto"/>
+            </a:endParaRPr>
+          </a:p>
+          <a:p>
+            <a:pPr marL="0" lvl="0" indent="0" algn="l" rtl="0">
+              <a:spcBef>
+                <a:spcPts val="0"/>
+              </a:spcBef>
+              <a:spcAft>
+                <a:spcPts val="0"/>
+              </a:spcAft>
+              <a:buNone/>
+            </a:pPr>
+            <a:endParaRPr sz="1800">
+              <a:latin typeface="Roboto"/>
+              <a:ea typeface="Roboto"/>
+              <a:cs typeface="Roboto"/>
+              <a:sym typeface="Roboto"/>
+            </a:endParaRPr>
+          </a:p>
+        </p:txBody>
+      </p:sp>
+      <p:pic>
+        <p:nvPicPr>
+          <p:cNvPr id="90" name="Google Shape;90;p13"/>
+          <p:cNvPicPr preferRelativeResize="0"/>
+          <p:nvPr/>
+        </p:nvPicPr>
+        <p:blipFill>
+          <a:blip r:embed="rId3">
+            <a:alphaModFix/>
+          </a:blip>
+          <a:stretch>
+            <a:fillRect/>
+          </a:stretch>
+        </p:blipFill>
+        <p:spPr>
+          <a:xfrm>
+            <a:off x="734713" y="1287488"/>
+            <a:ext cx="4375499" cy="3013231"/>
+          </a:xfrm>
+          <a:prstGeom prst="rect">
+            <a:avLst/>
+          </a:prstGeom>
+          <a:noFill/>
+          <a:ln>
+            <a:noFill/>
+          </a:ln>
+        </p:spPr>
+      </p:pic>
+    </p:spTree>
+  </p:cSld>
+  <p:clrMapOvr>
+    <a:masterClrMapping/>
+  </p:clrMapOvr>
+</p:sld>
+</file>
+
+<file path=ppt/slides/slide50.xml><?xml version="1.0" encoding="utf-8"?>
 <p:sld xmlns:a="http://schemas.openxmlformats.org/drawingml/2006/main" xmlns:r="http://schemas.openxmlformats.org/officeDocument/2006/relationships" xmlns:p="http://schemas.openxmlformats.org/presentationml/2006/main">
   <p:cSld>
     <p:spTree>
@@ -39908,7 +40391,7 @@
             </a:pPr>
             <a:fld id="{00000000-1234-1234-1234-123412341234}" type="slidenum">
               <a:rPr lang="en"/>
-              <a:t>49</a:t>
+              <a:t>50</a:t>
             </a:fld>
             <a:endParaRPr/>
           </a:p>
@@ -40265,312 +40748,7 @@
 </p:sld>
 </file>
 
-<file path=ppt/slides/slide5.xml><?xml version="1.0" encoding="utf-8"?>
-<p:sld xmlns:a="http://schemas.openxmlformats.org/drawingml/2006/main" xmlns:r="http://schemas.openxmlformats.org/officeDocument/2006/relationships" xmlns:p="http://schemas.openxmlformats.org/presentationml/2006/main">
-  <p:cSld>
-    <p:spTree>
-      <p:nvGrpSpPr>
-        <p:cNvPr id="1" name="Shape 85"/>
-        <p:cNvGrpSpPr/>
-        <p:nvPr/>
-      </p:nvGrpSpPr>
-      <p:grpSpPr>
-        <a:xfrm>
-          <a:off x="0" y="0"/>
-          <a:ext cx="0" cy="0"/>
-          <a:chOff x="0" y="0"/>
-          <a:chExt cx="0" cy="0"/>
-        </a:xfrm>
-      </p:grpSpPr>
-      <p:sp>
-        <p:nvSpPr>
-          <p:cNvPr id="86" name="Google Shape;86;p13"/>
-          <p:cNvSpPr txBox="1">
-            <a:spLocks noGrp="1"/>
-          </p:cNvSpPr>
-          <p:nvPr>
-            <p:ph type="title"/>
-          </p:nvPr>
-        </p:nvSpPr>
-        <p:spPr>
-          <a:xfrm>
-            <a:off x="311700" y="170820"/>
-            <a:ext cx="8520600" cy="572700"/>
-          </a:xfrm>
-          <a:prstGeom prst="rect">
-            <a:avLst/>
-          </a:prstGeom>
-        </p:spPr>
-        <p:txBody>
-          <a:bodyPr spcFirstLastPara="1" wrap="square" lIns="91425" tIns="91425" rIns="91425" bIns="91425" anchor="t" anchorCtr="0">
-            <a:noAutofit/>
-          </a:bodyPr>
-          <a:lstStyle/>
-          <a:p>
-            <a:pPr marL="0" lvl="0" indent="0" algn="l" rtl="0">
-              <a:spcBef>
-                <a:spcPts val="0"/>
-              </a:spcBef>
-              <a:spcAft>
-                <a:spcPts val="0"/>
-              </a:spcAft>
-              <a:buNone/>
-            </a:pPr>
-            <a:r>
-              <a:rPr lang="en"/>
-              <a:t>Open REPL (Read-Eval-Print-Loop)</a:t>
-            </a:r>
-            <a:endParaRPr/>
-          </a:p>
-        </p:txBody>
-      </p:sp>
-      <p:sp>
-        <p:nvSpPr>
-          <p:cNvPr id="87" name="Google Shape;87;p13"/>
-          <p:cNvSpPr txBox="1">
-            <a:spLocks noGrp="1"/>
-          </p:cNvSpPr>
-          <p:nvPr>
-            <p:ph type="body" idx="1"/>
-          </p:nvPr>
-        </p:nvSpPr>
-        <p:spPr>
-          <a:xfrm>
-            <a:off x="311700" y="923875"/>
-            <a:ext cx="8520600" cy="3862800"/>
-          </a:xfrm>
-          <a:prstGeom prst="rect">
-            <a:avLst/>
-          </a:prstGeom>
-        </p:spPr>
-        <p:txBody>
-          <a:bodyPr spcFirstLastPara="1" wrap="square" lIns="91425" tIns="91425" rIns="91425" bIns="91425" anchor="t" anchorCtr="0">
-            <a:noAutofit/>
-          </a:bodyPr>
-          <a:lstStyle/>
-          <a:p>
-            <a:pPr marL="0" lvl="0" indent="0" algn="l" rtl="0">
-              <a:spcBef>
-                <a:spcPts val="400"/>
-              </a:spcBef>
-              <a:spcAft>
-                <a:spcPts val="0"/>
-              </a:spcAft>
-              <a:buNone/>
-            </a:pPr>
-            <a:endParaRPr sz="1800">
-              <a:solidFill>
-                <a:schemeClr val="dk1"/>
-              </a:solidFill>
-            </a:endParaRPr>
-          </a:p>
-          <a:p>
-            <a:pPr marL="457200" lvl="0" indent="0" algn="l" rtl="0">
-              <a:spcBef>
-                <a:spcPts val="1000"/>
-              </a:spcBef>
-              <a:spcAft>
-                <a:spcPts val="0"/>
-              </a:spcAft>
-              <a:buClr>
-                <a:schemeClr val="dk1"/>
-              </a:buClr>
-              <a:buSzPts val="1100"/>
-              <a:buFont typeface="Arial"/>
-              <a:buNone/>
-            </a:pPr>
-            <a:endParaRPr/>
-          </a:p>
-        </p:txBody>
-      </p:sp>
-      <p:sp>
-        <p:nvSpPr>
-          <p:cNvPr id="88" name="Google Shape;88;p13"/>
-          <p:cNvSpPr txBox="1">
-            <a:spLocks noGrp="1"/>
-          </p:cNvSpPr>
-          <p:nvPr>
-            <p:ph type="sldNum" idx="12"/>
-          </p:nvPr>
-        </p:nvSpPr>
-        <p:spPr>
-          <a:xfrm>
-            <a:off x="8548658" y="4739417"/>
-            <a:ext cx="548700" cy="393600"/>
-          </a:xfrm>
-          <a:prstGeom prst="rect">
-            <a:avLst/>
-          </a:prstGeom>
-        </p:spPr>
-        <p:txBody>
-          <a:bodyPr spcFirstLastPara="1" wrap="square" lIns="91425" tIns="91425" rIns="91425" bIns="91425" anchor="ctr" anchorCtr="0">
-            <a:noAutofit/>
-          </a:bodyPr>
-          <a:lstStyle/>
-          <a:p>
-            <a:pPr marL="0" lvl="0" indent="0" algn="r" rtl="0">
-              <a:spcBef>
-                <a:spcPts val="0"/>
-              </a:spcBef>
-              <a:spcAft>
-                <a:spcPts val="0"/>
-              </a:spcAft>
-              <a:buNone/>
-            </a:pPr>
-            <a:fld id="{00000000-1234-1234-1234-123412341234}" type="slidenum">
-              <a:rPr lang="en"/>
-              <a:t>5</a:t>
-            </a:fld>
-            <a:endParaRPr/>
-          </a:p>
-        </p:txBody>
-      </p:sp>
-      <p:sp>
-        <p:nvSpPr>
-          <p:cNvPr id="89" name="Google Shape;89;p13"/>
-          <p:cNvSpPr txBox="1"/>
-          <p:nvPr/>
-        </p:nvSpPr>
-        <p:spPr>
-          <a:xfrm>
-            <a:off x="6304800" y="2904775"/>
-            <a:ext cx="2325900" cy="1395900"/>
-          </a:xfrm>
-          <a:prstGeom prst="rect">
-            <a:avLst/>
-          </a:prstGeom>
-          <a:solidFill>
-            <a:srgbClr val="D6F0FF"/>
-          </a:solidFill>
-          <a:ln>
-            <a:noFill/>
-          </a:ln>
-        </p:spPr>
-        <p:txBody>
-          <a:bodyPr spcFirstLastPara="1" wrap="square" lIns="91425" tIns="91425" rIns="91425" bIns="91425" anchor="t" anchorCtr="0">
-            <a:noAutofit/>
-          </a:bodyPr>
-          <a:lstStyle/>
-          <a:p>
-            <a:pPr marL="0" lvl="0" indent="0" algn="l" rtl="0">
-              <a:lnSpc>
-                <a:spcPct val="115000"/>
-              </a:lnSpc>
-              <a:spcBef>
-                <a:spcPts val="0"/>
-              </a:spcBef>
-              <a:spcAft>
-                <a:spcPts val="0"/>
-              </a:spcAft>
-              <a:buClr>
-                <a:schemeClr val="dk1"/>
-              </a:buClr>
-              <a:buSzPts val="1100"/>
-              <a:buFont typeface="Arial"/>
-              <a:buNone/>
-            </a:pPr>
-            <a:r>
-              <a:rPr lang="en" sz="1800">
-                <a:solidFill>
-                  <a:srgbClr val="3C4043"/>
-                </a:solidFill>
-                <a:latin typeface="Roboto"/>
-                <a:ea typeface="Roboto"/>
-                <a:cs typeface="Roboto"/>
-                <a:sym typeface="Roboto"/>
-              </a:rPr>
-              <a:t>It may take a few moments before the Kotlin menu appears under </a:t>
-            </a:r>
-            <a:r>
-              <a:rPr lang="en" sz="1800" b="1">
-                <a:solidFill>
-                  <a:srgbClr val="3C4043"/>
-                </a:solidFill>
-                <a:latin typeface="Roboto"/>
-                <a:ea typeface="Roboto"/>
-                <a:cs typeface="Roboto"/>
-                <a:sym typeface="Roboto"/>
-              </a:rPr>
-              <a:t>Tools</a:t>
-            </a:r>
-            <a:r>
-              <a:rPr lang="en" sz="1800">
-                <a:solidFill>
-                  <a:srgbClr val="3C4043"/>
-                </a:solidFill>
-                <a:latin typeface="Roboto"/>
-                <a:ea typeface="Roboto"/>
-                <a:cs typeface="Roboto"/>
-                <a:sym typeface="Roboto"/>
-              </a:rPr>
-              <a:t>.</a:t>
-            </a:r>
-            <a:endParaRPr sz="1800">
-              <a:solidFill>
-                <a:srgbClr val="3C4043"/>
-              </a:solidFill>
-              <a:latin typeface="Roboto"/>
-              <a:ea typeface="Roboto"/>
-              <a:cs typeface="Roboto"/>
-              <a:sym typeface="Roboto"/>
-            </a:endParaRPr>
-          </a:p>
-          <a:p>
-            <a:pPr marL="0" lvl="0" indent="0" algn="l" rtl="0">
-              <a:spcBef>
-                <a:spcPts val="0"/>
-              </a:spcBef>
-              <a:spcAft>
-                <a:spcPts val="0"/>
-              </a:spcAft>
-              <a:buNone/>
-            </a:pPr>
-            <a:endParaRPr sz="1800">
-              <a:latin typeface="Roboto"/>
-              <a:ea typeface="Roboto"/>
-              <a:cs typeface="Roboto"/>
-              <a:sym typeface="Roboto"/>
-            </a:endParaRPr>
-          </a:p>
-        </p:txBody>
-      </p:sp>
-      <p:pic>
-        <p:nvPicPr>
-          <p:cNvPr id="90" name="Google Shape;90;p13"/>
-          <p:cNvPicPr preferRelativeResize="0"/>
-          <p:nvPr/>
-        </p:nvPicPr>
-        <p:blipFill>
-          <a:blip r:embed="rId3">
-            <a:alphaModFix/>
-          </a:blip>
-          <a:stretch>
-            <a:fillRect/>
-          </a:stretch>
-        </p:blipFill>
-        <p:spPr>
-          <a:xfrm>
-            <a:off x="734713" y="1287488"/>
-            <a:ext cx="4375499" cy="3013231"/>
-          </a:xfrm>
-          <a:prstGeom prst="rect">
-            <a:avLst/>
-          </a:prstGeom>
-          <a:noFill/>
-          <a:ln>
-            <a:noFill/>
-          </a:ln>
-        </p:spPr>
-      </p:pic>
-    </p:spTree>
-  </p:cSld>
-  <p:clrMapOvr>
-    <a:masterClrMapping/>
-  </p:clrMapOvr>
-</p:sld>
-</file>
-
-<file path=ppt/slides/slide50.xml><?xml version="1.0" encoding="utf-8"?>
+<file path=ppt/slides/slide51.xml><?xml version="1.0" encoding="utf-8"?>
 <p:sld xmlns:a="http://schemas.openxmlformats.org/drawingml/2006/main" xmlns:r="http://schemas.openxmlformats.org/officeDocument/2006/relationships" xmlns:p="http://schemas.openxmlformats.org/presentationml/2006/main">
   <p:cSld>
     <p:spTree>
@@ -40758,7 +40936,7 @@
             </a:pPr>
             <a:fld id="{00000000-1234-1234-1234-123412341234}" type="slidenum">
               <a:rPr lang="en"/>
-              <a:t>50</a:t>
+              <a:t>51</a:t>
             </a:fld>
             <a:endParaRPr/>
           </a:p>
@@ -40915,7 +41093,7 @@
 </p:sld>
 </file>
 
-<file path=ppt/slides/slide51.xml><?xml version="1.0" encoding="utf-8"?>
+<file path=ppt/slides/slide52.xml><?xml version="1.0" encoding="utf-8"?>
 <p:sld xmlns:a="http://schemas.openxmlformats.org/drawingml/2006/main" xmlns:r="http://schemas.openxmlformats.org/officeDocument/2006/relationships" xmlns:p="http://schemas.openxmlformats.org/presentationml/2006/main">
   <p:cSld>
     <p:spTree>
@@ -41010,7 +41188,7 @@
             </a:pPr>
             <a:fld id="{00000000-1234-1234-1234-123412341234}" type="slidenum">
               <a:rPr lang="en"/>
-              <a:t>51</a:t>
+              <a:t>52</a:t>
             </a:fld>
             <a:endParaRPr/>
           </a:p>
@@ -41024,7 +41202,7 @@
 </p:sld>
 </file>
 
-<file path=ppt/slides/slide52.xml><?xml version="1.0" encoding="utf-8"?>
+<file path=ppt/slides/slide53.xml><?xml version="1.0" encoding="utf-8"?>
 <p:sld xmlns:a="http://schemas.openxmlformats.org/drawingml/2006/main" xmlns:r="http://schemas.openxmlformats.org/officeDocument/2006/relationships" xmlns:p="http://schemas.openxmlformats.org/presentationml/2006/main">
   <p:cSld>
     <p:spTree>
@@ -41482,7 +41660,7 @@
             </a:pPr>
             <a:fld id="{00000000-1234-1234-1234-123412341234}" type="slidenum">
               <a:rPr lang="en"/>
-              <a:t>52</a:t>
+              <a:t>53</a:t>
             </a:fld>
             <a:endParaRPr/>
           </a:p>
